--- a/基于微信的共享单车系统的设计与实现/答辩PPT/基于微信的共享单车系统的设计与实现开题报告.pptx
+++ b/基于微信的共享单车系统的设计与实现/答辩PPT/基于微信的共享单车系统的设计与实现开题报告.pptx
@@ -5,26 +5,26 @@
     <p:sldMasterId id="2147483648" r:id="rId1"/>
   </p:sldMasterIdLst>
   <p:notesMasterIdLst>
-    <p:notesMasterId r:id="rId4"/>
+    <p:notesMasterId r:id="rId19"/>
   </p:notesMasterIdLst>
   <p:sldIdLst>
-    <p:sldId id="257" r:id="rId3"/>
-    <p:sldId id="304" r:id="rId5"/>
-    <p:sldId id="258" r:id="rId6"/>
-    <p:sldId id="259" r:id="rId7"/>
-    <p:sldId id="299" r:id="rId8"/>
-    <p:sldId id="270" r:id="rId9"/>
-    <p:sldId id="271" r:id="rId10"/>
-    <p:sldId id="352" r:id="rId11"/>
-    <p:sldId id="353" r:id="rId12"/>
-    <p:sldId id="305" r:id="rId13"/>
-    <p:sldId id="273" r:id="rId14"/>
-    <p:sldId id="288" r:id="rId15"/>
-    <p:sldId id="306" r:id="rId16"/>
-    <p:sldId id="290" r:id="rId17"/>
-    <p:sldId id="310" r:id="rId18"/>
-    <p:sldId id="348" r:id="rId19"/>
-    <p:sldId id="285" r:id="rId20"/>
+    <p:sldId id="257" r:id="rId2"/>
+    <p:sldId id="304" r:id="rId3"/>
+    <p:sldId id="258" r:id="rId4"/>
+    <p:sldId id="259" r:id="rId5"/>
+    <p:sldId id="299" r:id="rId6"/>
+    <p:sldId id="270" r:id="rId7"/>
+    <p:sldId id="271" r:id="rId8"/>
+    <p:sldId id="352" r:id="rId9"/>
+    <p:sldId id="353" r:id="rId10"/>
+    <p:sldId id="305" r:id="rId11"/>
+    <p:sldId id="273" r:id="rId12"/>
+    <p:sldId id="288" r:id="rId13"/>
+    <p:sldId id="306" r:id="rId14"/>
+    <p:sldId id="290" r:id="rId15"/>
+    <p:sldId id="310" r:id="rId16"/>
+    <p:sldId id="348" r:id="rId17"/>
+    <p:sldId id="285" r:id="rId18"/>
   </p:sldIdLst>
   <p:sldSz cx="12192000" cy="6858000"/>
   <p:notesSz cx="6858000" cy="9144000"/>
@@ -123,6 +123,22 @@
       </a:defRPr>
     </a:lvl9pPr>
   </p:defaultTextStyle>
+  <p:extLst>
+    <p:ext uri="{EFAFB233-063F-42B5-8137-9DF3F51BA10A}">
+      <p15:sldGuideLst xmlns:p15="http://schemas.microsoft.com/office/powerpoint/2012/main">
+        <p15:guide id="1" orient="horz" pos="2190">
+          <p15:clr>
+            <a:srgbClr val="A4A3A4"/>
+          </p15:clr>
+        </p15:guide>
+        <p15:guide id="2" pos="3839">
+          <p15:clr>
+            <a:srgbClr val="A4A3A4"/>
+          </p15:clr>
+        </p15:guide>
+      </p15:sldGuideLst>
+    </p:ext>
+  </p:extLst>
 </p:presentation>
 </file>
 
@@ -208,6 +224,7 @@
           <a:p>
             <a:fld id="{F865DBC6-38D0-498A-8F0B-8BC9AF8263A6}" type="datetimeFigureOut">
               <a:rPr lang="zh-CN" altLang="en-US" smtClean="0"/>
+              <a:t>2018/11/1</a:t>
             </a:fld>
             <a:endParaRPr lang="zh-CN" altLang="en-US"/>
           </a:p>
@@ -271,42 +288,37 @@
           <a:p>
             <a:pPr lvl="0"/>
             <a:r>
-              <a:rPr lang="zh-CN" altLang="en-US" smtClean="0"/>
+              <a:rPr lang="zh-CN" altLang="en-US"/>
               <a:t>单击此处编辑母版文本样式</a:t>
             </a:r>
-            <a:endParaRPr lang="zh-CN" altLang="en-US" smtClean="0"/>
           </a:p>
           <a:p>
             <a:pPr lvl="1"/>
             <a:r>
-              <a:rPr lang="zh-CN" altLang="en-US" smtClean="0"/>
+              <a:rPr lang="zh-CN" altLang="en-US"/>
               <a:t>第二级</a:t>
             </a:r>
-            <a:endParaRPr lang="zh-CN" altLang="en-US" smtClean="0"/>
           </a:p>
           <a:p>
             <a:pPr lvl="2"/>
             <a:r>
-              <a:rPr lang="zh-CN" altLang="en-US" smtClean="0"/>
+              <a:rPr lang="zh-CN" altLang="en-US"/>
               <a:t>第三级</a:t>
             </a:r>
-            <a:endParaRPr lang="zh-CN" altLang="en-US" smtClean="0"/>
           </a:p>
           <a:p>
             <a:pPr lvl="3"/>
             <a:r>
-              <a:rPr lang="zh-CN" altLang="en-US" smtClean="0"/>
+              <a:rPr lang="zh-CN" altLang="en-US"/>
               <a:t>第四级</a:t>
             </a:r>
-            <a:endParaRPr lang="zh-CN" altLang="en-US" smtClean="0"/>
           </a:p>
           <a:p>
             <a:pPr lvl="4"/>
             <a:r>
-              <a:rPr lang="zh-CN" altLang="en-US" smtClean="0"/>
+              <a:rPr lang="zh-CN" altLang="en-US"/>
               <a:t>第五级</a:t>
             </a:r>
-            <a:endParaRPr lang="zh-CN" altLang="en-US"/>
           </a:p>
         </p:txBody>
       </p:sp>
@@ -370,6 +382,7 @@
           <a:p>
             <a:fld id="{E44DF715-C661-4A4B-BB5A-CE67FF753190}" type="slidenum">
               <a:rPr lang="zh-CN" altLang="en-US" smtClean="0"/>
+              <a:t>‹#›</a:t>
             </a:fld>
             <a:endParaRPr lang="zh-CN" altLang="en-US"/>
           </a:p>
@@ -538,6 +551,7 @@
           <a:p>
             <a:fld id="{E44DF715-C661-4A4B-BB5A-CE67FF753190}" type="slidenum">
               <a:rPr lang="zh-CN" altLang="en-US" smtClean="0"/>
+              <a:t>1</a:t>
             </a:fld>
             <a:endParaRPr lang="zh-CN" altLang="en-US"/>
           </a:p>
@@ -620,6 +634,7 @@
                   <a:prstClr val="black"/>
                 </a:solidFill>
               </a:rPr>
+              <a:t>10</a:t>
             </a:fld>
             <a:endParaRPr lang="zh-CN" altLang="en-US">
               <a:solidFill>
@@ -706,6 +721,7 @@
                   <a:prstClr val="black"/>
                 </a:solidFill>
               </a:rPr>
+              <a:t>11</a:t>
             </a:fld>
             <a:endParaRPr lang="zh-CN" altLang="en-US">
               <a:solidFill>
@@ -792,6 +808,7 @@
                   <a:prstClr val="black"/>
                 </a:solidFill>
               </a:rPr>
+              <a:t>12</a:t>
             </a:fld>
             <a:endParaRPr lang="zh-CN" altLang="en-US">
               <a:solidFill>
@@ -878,6 +895,7 @@
                   <a:prstClr val="black"/>
                 </a:solidFill>
               </a:rPr>
+              <a:t>13</a:t>
             </a:fld>
             <a:endParaRPr lang="zh-CN" altLang="en-US">
               <a:solidFill>
@@ -964,6 +982,7 @@
                   <a:prstClr val="black"/>
                 </a:solidFill>
               </a:rPr>
+              <a:t>14</a:t>
             </a:fld>
             <a:endParaRPr lang="zh-CN" altLang="en-US">
               <a:solidFill>
@@ -1050,6 +1069,7 @@
                   <a:prstClr val="black"/>
                 </a:solidFill>
               </a:rPr>
+              <a:t>15</a:t>
             </a:fld>
             <a:endParaRPr lang="zh-CN" altLang="en-US">
               <a:solidFill>
@@ -1136,6 +1156,7 @@
                   <a:prstClr val="black"/>
                 </a:solidFill>
               </a:rPr>
+              <a:t>16</a:t>
             </a:fld>
             <a:endParaRPr lang="zh-CN" altLang="en-US">
               <a:solidFill>
@@ -1222,6 +1243,7 @@
                   <a:prstClr val="black"/>
                 </a:solidFill>
               </a:rPr>
+              <a:t>17</a:t>
             </a:fld>
             <a:endParaRPr lang="zh-CN" altLang="en-US">
               <a:solidFill>
@@ -1308,6 +1330,7 @@
                   <a:prstClr val="black"/>
                 </a:solidFill>
               </a:rPr>
+              <a:t>2</a:t>
             </a:fld>
             <a:endParaRPr lang="zh-CN" altLang="en-US">
               <a:solidFill>
@@ -1390,6 +1413,7 @@
           <a:p>
             <a:fld id="{E44DF715-C661-4A4B-BB5A-CE67FF753190}" type="slidenum">
               <a:rPr lang="zh-CN" altLang="en-US" smtClean="0"/>
+              <a:t>3</a:t>
             </a:fld>
             <a:endParaRPr lang="zh-CN" altLang="en-US"/>
           </a:p>
@@ -1468,6 +1492,7 @@
           <a:p>
             <a:fld id="{E44DF715-C661-4A4B-BB5A-CE67FF753190}" type="slidenum">
               <a:rPr lang="zh-CN" altLang="en-US" smtClean="0"/>
+              <a:t>4</a:t>
             </a:fld>
             <a:endParaRPr lang="zh-CN" altLang="en-US"/>
           </a:p>
@@ -1550,6 +1575,7 @@
                   <a:prstClr val="black"/>
                 </a:solidFill>
               </a:rPr>
+              <a:t>5</a:t>
             </a:fld>
             <a:endParaRPr lang="zh-CN" altLang="en-US">
               <a:solidFill>
@@ -1636,6 +1662,7 @@
                   <a:prstClr val="black"/>
                 </a:solidFill>
               </a:rPr>
+              <a:t>6</a:t>
             </a:fld>
             <a:endParaRPr lang="zh-CN" altLang="en-US">
               <a:solidFill>
@@ -1722,6 +1749,7 @@
                   <a:prstClr val="black"/>
                 </a:solidFill>
               </a:rPr>
+              <a:t>7</a:t>
             </a:fld>
             <a:endParaRPr lang="zh-CN" altLang="en-US">
               <a:solidFill>
@@ -1808,6 +1836,7 @@
                   <a:prstClr val="black"/>
                 </a:solidFill>
               </a:rPr>
+              <a:t>8</a:t>
             </a:fld>
             <a:endParaRPr lang="zh-CN" altLang="en-US">
               <a:solidFill>
@@ -1894,6 +1923,7 @@
                   <a:prstClr val="black"/>
                 </a:solidFill>
               </a:rPr>
+              <a:t>9</a:t>
             </a:fld>
             <a:endParaRPr lang="zh-CN" altLang="en-US">
               <a:solidFill>
@@ -1953,10 +1983,9 @@
           </a:lstStyle>
           <a:p>
             <a:r>
-              <a:rPr lang="zh-CN" altLang="en-US" smtClean="0"/>
+              <a:rPr lang="zh-CN" altLang="en-US"/>
               <a:t>单击此处编辑母版标题样式</a:t>
             </a:r>
-            <a:endParaRPr lang="zh-CN" altLang="en-US"/>
           </a:p>
         </p:txBody>
       </p:sp>
@@ -2018,10 +2047,9 @@
           </a:lstStyle>
           <a:p>
             <a:r>
-              <a:rPr lang="zh-CN" altLang="en-US" smtClean="0"/>
+              <a:rPr lang="zh-CN" altLang="en-US"/>
               <a:t>单击此处编辑母版副标题样式</a:t>
             </a:r>
-            <a:endParaRPr lang="zh-CN" altLang="en-US"/>
           </a:p>
         </p:txBody>
       </p:sp>
@@ -2042,6 +2070,7 @@
           <a:p>
             <a:fld id="{AC2D831D-0604-41F7-A337-F1AC1257C2FF}" type="datetimeFigureOut">
               <a:rPr lang="zh-CN" altLang="en-US" smtClean="0"/>
+              <a:t>2018/11/1</a:t>
             </a:fld>
             <a:endParaRPr lang="zh-CN" altLang="en-US"/>
           </a:p>
@@ -2083,6 +2112,7 @@
           <a:p>
             <a:fld id="{4FE4AC72-BA51-437E-8D85-A7DD916C4313}" type="slidenum">
               <a:rPr lang="zh-CN" altLang="en-US" smtClean="0"/>
+              <a:t>‹#›</a:t>
             </a:fld>
             <a:endParaRPr lang="zh-CN" altLang="en-US"/>
           </a:p>
@@ -2093,25 +2123,18 @@
   <p:clrMapOvr>
     <a:masterClrMapping/>
   </p:clrMapOvr>
-  <mc:AlternateContent xmlns:mc="http://schemas.openxmlformats.org/markup-compatibility/2006">
-    <mc:Choice xmlns:p14="http://schemas.microsoft.com/office/powerpoint/2010/main" Requires="p14">
+  <mc:AlternateContent xmlns:mc="http://schemas.openxmlformats.org/markup-compatibility/2006" xmlns:p14="http://schemas.microsoft.com/office/powerpoint/2010/main">
+    <mc:Choice Requires="p14">
       <p:transition spd="slow" p14:dur="1600">
         <p14:conveyor dir="l"/>
       </p:transition>
     </mc:Choice>
-    <mc:Fallback>
+    <mc:Fallback xmlns="">
       <p:transition spd="slow">
         <p:fade/>
       </p:transition>
     </mc:Fallback>
   </mc:AlternateContent>
-  <p:timing>
-    <p:tnLst>
-      <p:par>
-        <p:cTn id="1" dur="indefinite" restart="never" nodeType="tmRoot"/>
-      </p:par>
-    </p:tnLst>
-  </p:timing>
 </p:sldLayout>
 </file>
 
@@ -2148,10 +2171,9 @@
           <a:lstStyle/>
           <a:p>
             <a:r>
-              <a:rPr lang="zh-CN" altLang="en-US" smtClean="0"/>
+              <a:rPr lang="zh-CN" altLang="en-US"/>
               <a:t>单击此处编辑母版标题样式</a:t>
             </a:r>
-            <a:endParaRPr lang="zh-CN" altLang="en-US"/>
           </a:p>
         </p:txBody>
       </p:sp>
@@ -2172,42 +2194,37 @@
           <a:p>
             <a:pPr lvl="0"/>
             <a:r>
-              <a:rPr lang="zh-CN" altLang="en-US" smtClean="0"/>
+              <a:rPr lang="zh-CN" altLang="en-US"/>
               <a:t>单击此处编辑母版文本样式</a:t>
             </a:r>
-            <a:endParaRPr lang="zh-CN" altLang="en-US" smtClean="0"/>
           </a:p>
           <a:p>
             <a:pPr lvl="1"/>
             <a:r>
-              <a:rPr lang="zh-CN" altLang="en-US" smtClean="0"/>
+              <a:rPr lang="zh-CN" altLang="en-US"/>
               <a:t>第二级</a:t>
             </a:r>
-            <a:endParaRPr lang="zh-CN" altLang="en-US" smtClean="0"/>
           </a:p>
           <a:p>
             <a:pPr lvl="2"/>
             <a:r>
-              <a:rPr lang="zh-CN" altLang="en-US" smtClean="0"/>
+              <a:rPr lang="zh-CN" altLang="en-US"/>
               <a:t>第三级</a:t>
             </a:r>
-            <a:endParaRPr lang="zh-CN" altLang="en-US" smtClean="0"/>
           </a:p>
           <a:p>
             <a:pPr lvl="3"/>
             <a:r>
-              <a:rPr lang="zh-CN" altLang="en-US" smtClean="0"/>
+              <a:rPr lang="zh-CN" altLang="en-US"/>
               <a:t>第四级</a:t>
             </a:r>
-            <a:endParaRPr lang="zh-CN" altLang="en-US" smtClean="0"/>
           </a:p>
           <a:p>
             <a:pPr lvl="4"/>
             <a:r>
-              <a:rPr lang="zh-CN" altLang="en-US" smtClean="0"/>
+              <a:rPr lang="zh-CN" altLang="en-US"/>
               <a:t>第五级</a:t>
             </a:r>
-            <a:endParaRPr lang="zh-CN" altLang="en-US"/>
           </a:p>
         </p:txBody>
       </p:sp>
@@ -2228,6 +2245,7 @@
           <a:p>
             <a:fld id="{AC2D831D-0604-41F7-A337-F1AC1257C2FF}" type="datetimeFigureOut">
               <a:rPr lang="zh-CN" altLang="en-US" smtClean="0"/>
+              <a:t>2018/11/1</a:t>
             </a:fld>
             <a:endParaRPr lang="zh-CN" altLang="en-US"/>
           </a:p>
@@ -2269,6 +2287,7 @@
           <a:p>
             <a:fld id="{4FE4AC72-BA51-437E-8D85-A7DD916C4313}" type="slidenum">
               <a:rPr lang="zh-CN" altLang="en-US" smtClean="0"/>
+              <a:t>‹#›</a:t>
             </a:fld>
             <a:endParaRPr lang="zh-CN" altLang="en-US"/>
           </a:p>
@@ -2279,13 +2298,13 @@
   <p:clrMapOvr>
     <a:masterClrMapping/>
   </p:clrMapOvr>
-  <mc:AlternateContent xmlns:mc="http://schemas.openxmlformats.org/markup-compatibility/2006">
-    <mc:Choice xmlns:p14="http://schemas.microsoft.com/office/powerpoint/2010/main" Requires="p14">
+  <mc:AlternateContent xmlns:mc="http://schemas.openxmlformats.org/markup-compatibility/2006" xmlns:p14="http://schemas.microsoft.com/office/powerpoint/2010/main">
+    <mc:Choice Requires="p14">
       <p:transition spd="slow" p14:dur="1600">
         <p14:conveyor dir="l"/>
       </p:transition>
     </mc:Choice>
-    <mc:Fallback>
+    <mc:Fallback xmlns="">
       <p:transition spd="slow">
         <p:fade/>
       </p:transition>
@@ -2332,10 +2351,9 @@
           <a:lstStyle/>
           <a:p>
             <a:r>
-              <a:rPr lang="zh-CN" altLang="en-US" smtClean="0"/>
+              <a:rPr lang="zh-CN" altLang="en-US"/>
               <a:t>单击此处编辑母版标题样式</a:t>
             </a:r>
-            <a:endParaRPr lang="zh-CN" altLang="en-US"/>
           </a:p>
         </p:txBody>
       </p:sp>
@@ -2361,42 +2379,37 @@
           <a:p>
             <a:pPr lvl="0"/>
             <a:r>
-              <a:rPr lang="zh-CN" altLang="en-US" smtClean="0"/>
+              <a:rPr lang="zh-CN" altLang="en-US"/>
               <a:t>单击此处编辑母版文本样式</a:t>
             </a:r>
-            <a:endParaRPr lang="zh-CN" altLang="en-US" smtClean="0"/>
           </a:p>
           <a:p>
             <a:pPr lvl="1"/>
             <a:r>
-              <a:rPr lang="zh-CN" altLang="en-US" smtClean="0"/>
+              <a:rPr lang="zh-CN" altLang="en-US"/>
               <a:t>第二级</a:t>
             </a:r>
-            <a:endParaRPr lang="zh-CN" altLang="en-US" smtClean="0"/>
           </a:p>
           <a:p>
             <a:pPr lvl="2"/>
             <a:r>
-              <a:rPr lang="zh-CN" altLang="en-US" smtClean="0"/>
+              <a:rPr lang="zh-CN" altLang="en-US"/>
               <a:t>第三级</a:t>
             </a:r>
-            <a:endParaRPr lang="zh-CN" altLang="en-US" smtClean="0"/>
           </a:p>
           <a:p>
             <a:pPr lvl="3"/>
             <a:r>
-              <a:rPr lang="zh-CN" altLang="en-US" smtClean="0"/>
+              <a:rPr lang="zh-CN" altLang="en-US"/>
               <a:t>第四级</a:t>
             </a:r>
-            <a:endParaRPr lang="zh-CN" altLang="en-US" smtClean="0"/>
           </a:p>
           <a:p>
             <a:pPr lvl="4"/>
             <a:r>
-              <a:rPr lang="zh-CN" altLang="en-US" smtClean="0"/>
+              <a:rPr lang="zh-CN" altLang="en-US"/>
               <a:t>第五级</a:t>
             </a:r>
-            <a:endParaRPr lang="zh-CN" altLang="en-US"/>
           </a:p>
         </p:txBody>
       </p:sp>
@@ -2417,6 +2430,7 @@
           <a:p>
             <a:fld id="{AC2D831D-0604-41F7-A337-F1AC1257C2FF}" type="datetimeFigureOut">
               <a:rPr lang="zh-CN" altLang="en-US" smtClean="0"/>
+              <a:t>2018/11/1</a:t>
             </a:fld>
             <a:endParaRPr lang="zh-CN" altLang="en-US"/>
           </a:p>
@@ -2458,6 +2472,7 @@
           <a:p>
             <a:fld id="{4FE4AC72-BA51-437E-8D85-A7DD916C4313}" type="slidenum">
               <a:rPr lang="zh-CN" altLang="en-US" smtClean="0"/>
+              <a:t>‹#›</a:t>
             </a:fld>
             <a:endParaRPr lang="zh-CN" altLang="en-US"/>
           </a:p>
@@ -2468,13 +2483,13 @@
   <p:clrMapOvr>
     <a:masterClrMapping/>
   </p:clrMapOvr>
-  <mc:AlternateContent xmlns:mc="http://schemas.openxmlformats.org/markup-compatibility/2006">
-    <mc:Choice xmlns:p14="http://schemas.microsoft.com/office/powerpoint/2010/main" Requires="p14">
+  <mc:AlternateContent xmlns:mc="http://schemas.openxmlformats.org/markup-compatibility/2006" xmlns:p14="http://schemas.microsoft.com/office/powerpoint/2010/main">
+    <mc:Choice Requires="p14">
       <p:transition spd="slow" p14:dur="1600">
         <p14:conveyor dir="l"/>
       </p:transition>
     </mc:Choice>
-    <mc:Fallback>
+    <mc:Fallback xmlns="">
       <p:transition spd="slow">
         <p:fade/>
       </p:transition>
@@ -2516,10 +2531,9 @@
           <a:lstStyle/>
           <a:p>
             <a:r>
-              <a:rPr lang="zh-CN" altLang="en-US" smtClean="0"/>
+              <a:rPr lang="zh-CN" altLang="en-US"/>
               <a:t>单击此处编辑母版标题样式</a:t>
             </a:r>
-            <a:endParaRPr lang="zh-CN" altLang="en-US"/>
           </a:p>
         </p:txBody>
       </p:sp>
@@ -2540,42 +2554,37 @@
           <a:p>
             <a:pPr lvl="0"/>
             <a:r>
-              <a:rPr lang="zh-CN" altLang="en-US" smtClean="0"/>
+              <a:rPr lang="zh-CN" altLang="en-US"/>
               <a:t>单击此处编辑母版文本样式</a:t>
             </a:r>
-            <a:endParaRPr lang="zh-CN" altLang="en-US" smtClean="0"/>
           </a:p>
           <a:p>
             <a:pPr lvl="1"/>
             <a:r>
-              <a:rPr lang="zh-CN" altLang="en-US" smtClean="0"/>
+              <a:rPr lang="zh-CN" altLang="en-US"/>
               <a:t>第二级</a:t>
             </a:r>
-            <a:endParaRPr lang="zh-CN" altLang="en-US" smtClean="0"/>
           </a:p>
           <a:p>
             <a:pPr lvl="2"/>
             <a:r>
-              <a:rPr lang="zh-CN" altLang="en-US" smtClean="0"/>
+              <a:rPr lang="zh-CN" altLang="en-US"/>
               <a:t>第三级</a:t>
             </a:r>
-            <a:endParaRPr lang="zh-CN" altLang="en-US" smtClean="0"/>
           </a:p>
           <a:p>
             <a:pPr lvl="3"/>
             <a:r>
-              <a:rPr lang="zh-CN" altLang="en-US" smtClean="0"/>
+              <a:rPr lang="zh-CN" altLang="en-US"/>
               <a:t>第四级</a:t>
             </a:r>
-            <a:endParaRPr lang="zh-CN" altLang="en-US" smtClean="0"/>
           </a:p>
           <a:p>
             <a:pPr lvl="4"/>
             <a:r>
-              <a:rPr lang="zh-CN" altLang="en-US" smtClean="0"/>
+              <a:rPr lang="zh-CN" altLang="en-US"/>
               <a:t>第五级</a:t>
             </a:r>
-            <a:endParaRPr lang="zh-CN" altLang="en-US"/>
           </a:p>
         </p:txBody>
       </p:sp>
@@ -2596,6 +2605,7 @@
           <a:p>
             <a:fld id="{AC2D831D-0604-41F7-A337-F1AC1257C2FF}" type="datetimeFigureOut">
               <a:rPr lang="zh-CN" altLang="en-US" smtClean="0"/>
+              <a:t>2018/11/1</a:t>
             </a:fld>
             <a:endParaRPr lang="zh-CN" altLang="en-US"/>
           </a:p>
@@ -2637,6 +2647,7 @@
           <a:p>
             <a:fld id="{4FE4AC72-BA51-437E-8D85-A7DD916C4313}" type="slidenum">
               <a:rPr lang="zh-CN" altLang="en-US" smtClean="0"/>
+              <a:t>‹#›</a:t>
             </a:fld>
             <a:endParaRPr lang="zh-CN" altLang="en-US"/>
           </a:p>
@@ -2647,25 +2658,18 @@
   <p:clrMapOvr>
     <a:masterClrMapping/>
   </p:clrMapOvr>
-  <mc:AlternateContent xmlns:mc="http://schemas.openxmlformats.org/markup-compatibility/2006">
-    <mc:Choice xmlns:p14="http://schemas.microsoft.com/office/powerpoint/2010/main" Requires="p14">
+  <mc:AlternateContent xmlns:mc="http://schemas.openxmlformats.org/markup-compatibility/2006" xmlns:p14="http://schemas.microsoft.com/office/powerpoint/2010/main">
+    <mc:Choice Requires="p14">
       <p:transition spd="slow" p14:dur="1600">
         <p14:conveyor dir="l"/>
       </p:transition>
     </mc:Choice>
-    <mc:Fallback>
+    <mc:Fallback xmlns="">
       <p:transition spd="slow">
         <p:fade/>
       </p:transition>
     </mc:Fallback>
   </mc:AlternateContent>
-  <p:timing>
-    <p:tnLst>
-      <p:par>
-        <p:cTn id="1" dur="indefinite" restart="never" nodeType="tmRoot"/>
-      </p:par>
-    </p:tnLst>
-  </p:timing>
 </p:sldLayout>
 </file>
 
@@ -2711,10 +2715,9 @@
           </a:lstStyle>
           <a:p>
             <a:r>
-              <a:rPr lang="zh-CN" altLang="en-US" smtClean="0"/>
+              <a:rPr lang="zh-CN" altLang="en-US"/>
               <a:t>单击此处编辑母版标题样式</a:t>
             </a:r>
-            <a:endParaRPr lang="zh-CN" altLang="en-US"/>
           </a:p>
         </p:txBody>
       </p:sp>
@@ -2831,10 +2834,9 @@
           <a:p>
             <a:pPr lvl="0"/>
             <a:r>
-              <a:rPr lang="zh-CN" altLang="en-US" smtClean="0"/>
+              <a:rPr lang="zh-CN" altLang="en-US"/>
               <a:t>单击此处编辑母版文本样式</a:t>
             </a:r>
-            <a:endParaRPr lang="zh-CN" altLang="en-US" smtClean="0"/>
           </a:p>
         </p:txBody>
       </p:sp>
@@ -2855,6 +2857,7 @@
           <a:p>
             <a:fld id="{AC2D831D-0604-41F7-A337-F1AC1257C2FF}" type="datetimeFigureOut">
               <a:rPr lang="zh-CN" altLang="en-US" smtClean="0"/>
+              <a:t>2018/11/1</a:t>
             </a:fld>
             <a:endParaRPr lang="zh-CN" altLang="en-US"/>
           </a:p>
@@ -2896,6 +2899,7 @@
           <a:p>
             <a:fld id="{4FE4AC72-BA51-437E-8D85-A7DD916C4313}" type="slidenum">
               <a:rPr lang="zh-CN" altLang="en-US" smtClean="0"/>
+              <a:t>‹#›</a:t>
             </a:fld>
             <a:endParaRPr lang="zh-CN" altLang="en-US"/>
           </a:p>
@@ -2906,13 +2910,13 @@
   <p:clrMapOvr>
     <a:masterClrMapping/>
   </p:clrMapOvr>
-  <mc:AlternateContent xmlns:mc="http://schemas.openxmlformats.org/markup-compatibility/2006">
-    <mc:Choice xmlns:p14="http://schemas.microsoft.com/office/powerpoint/2010/main" Requires="p14">
+  <mc:AlternateContent xmlns:mc="http://schemas.openxmlformats.org/markup-compatibility/2006" xmlns:p14="http://schemas.microsoft.com/office/powerpoint/2010/main">
+    <mc:Choice Requires="p14">
       <p:transition spd="slow" p14:dur="1600">
         <p14:conveyor dir="l"/>
       </p:transition>
     </mc:Choice>
-    <mc:Fallback>
+    <mc:Fallback xmlns="">
       <p:transition spd="slow">
         <p:fade/>
       </p:transition>
@@ -2954,10 +2958,9 @@
           <a:lstStyle/>
           <a:p>
             <a:r>
-              <a:rPr lang="zh-CN" altLang="en-US" smtClean="0"/>
+              <a:rPr lang="zh-CN" altLang="en-US"/>
               <a:t>单击此处编辑母版标题样式</a:t>
             </a:r>
-            <a:endParaRPr lang="zh-CN" altLang="en-US"/>
           </a:p>
         </p:txBody>
       </p:sp>
@@ -2983,42 +2986,37 @@
           <a:p>
             <a:pPr lvl="0"/>
             <a:r>
-              <a:rPr lang="zh-CN" altLang="en-US" smtClean="0"/>
+              <a:rPr lang="zh-CN" altLang="en-US"/>
               <a:t>单击此处编辑母版文本样式</a:t>
             </a:r>
-            <a:endParaRPr lang="zh-CN" altLang="en-US" smtClean="0"/>
           </a:p>
           <a:p>
             <a:pPr lvl="1"/>
             <a:r>
-              <a:rPr lang="zh-CN" altLang="en-US" smtClean="0"/>
+              <a:rPr lang="zh-CN" altLang="en-US"/>
               <a:t>第二级</a:t>
             </a:r>
-            <a:endParaRPr lang="zh-CN" altLang="en-US" smtClean="0"/>
           </a:p>
           <a:p>
             <a:pPr lvl="2"/>
             <a:r>
-              <a:rPr lang="zh-CN" altLang="en-US" smtClean="0"/>
+              <a:rPr lang="zh-CN" altLang="en-US"/>
               <a:t>第三级</a:t>
             </a:r>
-            <a:endParaRPr lang="zh-CN" altLang="en-US" smtClean="0"/>
           </a:p>
           <a:p>
             <a:pPr lvl="3"/>
             <a:r>
-              <a:rPr lang="zh-CN" altLang="en-US" smtClean="0"/>
+              <a:rPr lang="zh-CN" altLang="en-US"/>
               <a:t>第四级</a:t>
             </a:r>
-            <a:endParaRPr lang="zh-CN" altLang="en-US" smtClean="0"/>
           </a:p>
           <a:p>
             <a:pPr lvl="4"/>
             <a:r>
-              <a:rPr lang="zh-CN" altLang="en-US" smtClean="0"/>
+              <a:rPr lang="zh-CN" altLang="en-US"/>
               <a:t>第五级</a:t>
             </a:r>
-            <a:endParaRPr lang="zh-CN" altLang="en-US"/>
           </a:p>
         </p:txBody>
       </p:sp>
@@ -3044,42 +3042,37 @@
           <a:p>
             <a:pPr lvl="0"/>
             <a:r>
-              <a:rPr lang="zh-CN" altLang="en-US" smtClean="0"/>
+              <a:rPr lang="zh-CN" altLang="en-US"/>
               <a:t>单击此处编辑母版文本样式</a:t>
             </a:r>
-            <a:endParaRPr lang="zh-CN" altLang="en-US" smtClean="0"/>
           </a:p>
           <a:p>
             <a:pPr lvl="1"/>
             <a:r>
-              <a:rPr lang="zh-CN" altLang="en-US" smtClean="0"/>
+              <a:rPr lang="zh-CN" altLang="en-US"/>
               <a:t>第二级</a:t>
             </a:r>
-            <a:endParaRPr lang="zh-CN" altLang="en-US" smtClean="0"/>
           </a:p>
           <a:p>
             <a:pPr lvl="2"/>
             <a:r>
-              <a:rPr lang="zh-CN" altLang="en-US" smtClean="0"/>
+              <a:rPr lang="zh-CN" altLang="en-US"/>
               <a:t>第三级</a:t>
             </a:r>
-            <a:endParaRPr lang="zh-CN" altLang="en-US" smtClean="0"/>
           </a:p>
           <a:p>
             <a:pPr lvl="3"/>
             <a:r>
-              <a:rPr lang="zh-CN" altLang="en-US" smtClean="0"/>
+              <a:rPr lang="zh-CN" altLang="en-US"/>
               <a:t>第四级</a:t>
             </a:r>
-            <a:endParaRPr lang="zh-CN" altLang="en-US" smtClean="0"/>
           </a:p>
           <a:p>
             <a:pPr lvl="4"/>
             <a:r>
-              <a:rPr lang="zh-CN" altLang="en-US" smtClean="0"/>
+              <a:rPr lang="zh-CN" altLang="en-US"/>
               <a:t>第五级</a:t>
             </a:r>
-            <a:endParaRPr lang="zh-CN" altLang="en-US"/>
           </a:p>
         </p:txBody>
       </p:sp>
@@ -3100,6 +3093,7 @@
           <a:p>
             <a:fld id="{AC2D831D-0604-41F7-A337-F1AC1257C2FF}" type="datetimeFigureOut">
               <a:rPr lang="zh-CN" altLang="en-US" smtClean="0"/>
+              <a:t>2018/11/1</a:t>
             </a:fld>
             <a:endParaRPr lang="zh-CN" altLang="en-US"/>
           </a:p>
@@ -3141,6 +3135,7 @@
           <a:p>
             <a:fld id="{4FE4AC72-BA51-437E-8D85-A7DD916C4313}" type="slidenum">
               <a:rPr lang="zh-CN" altLang="en-US" smtClean="0"/>
+              <a:t>‹#›</a:t>
             </a:fld>
             <a:endParaRPr lang="zh-CN" altLang="en-US"/>
           </a:p>
@@ -3151,13 +3146,13 @@
   <p:clrMapOvr>
     <a:masterClrMapping/>
   </p:clrMapOvr>
-  <mc:AlternateContent xmlns:mc="http://schemas.openxmlformats.org/markup-compatibility/2006">
-    <mc:Choice xmlns:p14="http://schemas.microsoft.com/office/powerpoint/2010/main" Requires="p14">
+  <mc:AlternateContent xmlns:mc="http://schemas.openxmlformats.org/markup-compatibility/2006" xmlns:p14="http://schemas.microsoft.com/office/powerpoint/2010/main">
+    <mc:Choice Requires="p14">
       <p:transition spd="slow" p14:dur="1600">
         <p14:conveyor dir="l"/>
       </p:transition>
     </mc:Choice>
-    <mc:Fallback>
+    <mc:Fallback xmlns="">
       <p:transition spd="slow">
         <p:fade/>
       </p:transition>
@@ -3204,10 +3199,9 @@
           <a:lstStyle/>
           <a:p>
             <a:r>
-              <a:rPr lang="zh-CN" altLang="en-US" smtClean="0"/>
+              <a:rPr lang="zh-CN" altLang="en-US"/>
               <a:t>单击此处编辑母版标题样式</a:t>
             </a:r>
-            <a:endParaRPr lang="zh-CN" altLang="en-US"/>
           </a:p>
         </p:txBody>
       </p:sp>
@@ -3270,10 +3264,9 @@
           <a:p>
             <a:pPr lvl="0"/>
             <a:r>
-              <a:rPr lang="zh-CN" altLang="en-US" smtClean="0"/>
+              <a:rPr lang="zh-CN" altLang="en-US"/>
               <a:t>单击此处编辑母版文本样式</a:t>
             </a:r>
-            <a:endParaRPr lang="zh-CN" altLang="en-US" smtClean="0"/>
           </a:p>
         </p:txBody>
       </p:sp>
@@ -3299,42 +3292,37 @@
           <a:p>
             <a:pPr lvl="0"/>
             <a:r>
-              <a:rPr lang="zh-CN" altLang="en-US" smtClean="0"/>
+              <a:rPr lang="zh-CN" altLang="en-US"/>
               <a:t>单击此处编辑母版文本样式</a:t>
             </a:r>
-            <a:endParaRPr lang="zh-CN" altLang="en-US" smtClean="0"/>
           </a:p>
           <a:p>
             <a:pPr lvl="1"/>
             <a:r>
-              <a:rPr lang="zh-CN" altLang="en-US" smtClean="0"/>
+              <a:rPr lang="zh-CN" altLang="en-US"/>
               <a:t>第二级</a:t>
             </a:r>
-            <a:endParaRPr lang="zh-CN" altLang="en-US" smtClean="0"/>
           </a:p>
           <a:p>
             <a:pPr lvl="2"/>
             <a:r>
-              <a:rPr lang="zh-CN" altLang="en-US" smtClean="0"/>
+              <a:rPr lang="zh-CN" altLang="en-US"/>
               <a:t>第三级</a:t>
             </a:r>
-            <a:endParaRPr lang="zh-CN" altLang="en-US" smtClean="0"/>
           </a:p>
           <a:p>
             <a:pPr lvl="3"/>
             <a:r>
-              <a:rPr lang="zh-CN" altLang="en-US" smtClean="0"/>
+              <a:rPr lang="zh-CN" altLang="en-US"/>
               <a:t>第四级</a:t>
             </a:r>
-            <a:endParaRPr lang="zh-CN" altLang="en-US" smtClean="0"/>
           </a:p>
           <a:p>
             <a:pPr lvl="4"/>
             <a:r>
-              <a:rPr lang="zh-CN" altLang="en-US" smtClean="0"/>
+              <a:rPr lang="zh-CN" altLang="en-US"/>
               <a:t>第五级</a:t>
             </a:r>
-            <a:endParaRPr lang="zh-CN" altLang="en-US"/>
           </a:p>
         </p:txBody>
       </p:sp>
@@ -3397,10 +3385,9 @@
           <a:p>
             <a:pPr lvl="0"/>
             <a:r>
-              <a:rPr lang="zh-CN" altLang="en-US" smtClean="0"/>
+              <a:rPr lang="zh-CN" altLang="en-US"/>
               <a:t>单击此处编辑母版文本样式</a:t>
             </a:r>
-            <a:endParaRPr lang="zh-CN" altLang="en-US" smtClean="0"/>
           </a:p>
         </p:txBody>
       </p:sp>
@@ -3426,42 +3413,37 @@
           <a:p>
             <a:pPr lvl="0"/>
             <a:r>
-              <a:rPr lang="zh-CN" altLang="en-US" smtClean="0"/>
+              <a:rPr lang="zh-CN" altLang="en-US"/>
               <a:t>单击此处编辑母版文本样式</a:t>
             </a:r>
-            <a:endParaRPr lang="zh-CN" altLang="en-US" smtClean="0"/>
           </a:p>
           <a:p>
             <a:pPr lvl="1"/>
             <a:r>
-              <a:rPr lang="zh-CN" altLang="en-US" smtClean="0"/>
+              <a:rPr lang="zh-CN" altLang="en-US"/>
               <a:t>第二级</a:t>
             </a:r>
-            <a:endParaRPr lang="zh-CN" altLang="en-US" smtClean="0"/>
           </a:p>
           <a:p>
             <a:pPr lvl="2"/>
             <a:r>
-              <a:rPr lang="zh-CN" altLang="en-US" smtClean="0"/>
+              <a:rPr lang="zh-CN" altLang="en-US"/>
               <a:t>第三级</a:t>
             </a:r>
-            <a:endParaRPr lang="zh-CN" altLang="en-US" smtClean="0"/>
           </a:p>
           <a:p>
             <a:pPr lvl="3"/>
             <a:r>
-              <a:rPr lang="zh-CN" altLang="en-US" smtClean="0"/>
+              <a:rPr lang="zh-CN" altLang="en-US"/>
               <a:t>第四级</a:t>
             </a:r>
-            <a:endParaRPr lang="zh-CN" altLang="en-US" smtClean="0"/>
           </a:p>
           <a:p>
             <a:pPr lvl="4"/>
             <a:r>
-              <a:rPr lang="zh-CN" altLang="en-US" smtClean="0"/>
+              <a:rPr lang="zh-CN" altLang="en-US"/>
               <a:t>第五级</a:t>
             </a:r>
-            <a:endParaRPr lang="zh-CN" altLang="en-US"/>
           </a:p>
         </p:txBody>
       </p:sp>
@@ -3482,6 +3464,7 @@
           <a:p>
             <a:fld id="{AC2D831D-0604-41F7-A337-F1AC1257C2FF}" type="datetimeFigureOut">
               <a:rPr lang="zh-CN" altLang="en-US" smtClean="0"/>
+              <a:t>2018/11/1</a:t>
             </a:fld>
             <a:endParaRPr lang="zh-CN" altLang="en-US"/>
           </a:p>
@@ -3523,6 +3506,7 @@
           <a:p>
             <a:fld id="{4FE4AC72-BA51-437E-8D85-A7DD916C4313}" type="slidenum">
               <a:rPr lang="zh-CN" altLang="en-US" smtClean="0"/>
+              <a:t>‹#›</a:t>
             </a:fld>
             <a:endParaRPr lang="zh-CN" altLang="en-US"/>
           </a:p>
@@ -3533,13 +3517,13 @@
   <p:clrMapOvr>
     <a:masterClrMapping/>
   </p:clrMapOvr>
-  <mc:AlternateContent xmlns:mc="http://schemas.openxmlformats.org/markup-compatibility/2006">
-    <mc:Choice xmlns:p14="http://schemas.microsoft.com/office/powerpoint/2010/main" Requires="p14">
+  <mc:AlternateContent xmlns:mc="http://schemas.openxmlformats.org/markup-compatibility/2006" xmlns:p14="http://schemas.microsoft.com/office/powerpoint/2010/main">
+    <mc:Choice Requires="p14">
       <p:transition spd="slow" p14:dur="1600">
         <p14:conveyor dir="l"/>
       </p:transition>
     </mc:Choice>
-    <mc:Fallback>
+    <mc:Fallback xmlns="">
       <p:transition spd="slow">
         <p:fade/>
       </p:transition>
@@ -3581,10 +3565,9 @@
           <a:lstStyle/>
           <a:p>
             <a:r>
-              <a:rPr lang="zh-CN" altLang="en-US" smtClean="0"/>
+              <a:rPr lang="zh-CN" altLang="en-US"/>
               <a:t>单击此处编辑母版标题样式</a:t>
             </a:r>
-            <a:endParaRPr lang="zh-CN" altLang="en-US"/>
           </a:p>
         </p:txBody>
       </p:sp>
@@ -3605,6 +3588,7 @@
           <a:p>
             <a:fld id="{AC2D831D-0604-41F7-A337-F1AC1257C2FF}" type="datetimeFigureOut">
               <a:rPr lang="zh-CN" altLang="en-US" smtClean="0"/>
+              <a:t>2018/11/1</a:t>
             </a:fld>
             <a:endParaRPr lang="zh-CN" altLang="en-US"/>
           </a:p>
@@ -3646,6 +3630,7 @@
           <a:p>
             <a:fld id="{4FE4AC72-BA51-437E-8D85-A7DD916C4313}" type="slidenum">
               <a:rPr lang="zh-CN" altLang="en-US" smtClean="0"/>
+              <a:t>‹#›</a:t>
             </a:fld>
             <a:endParaRPr lang="zh-CN" altLang="en-US"/>
           </a:p>
@@ -3656,13 +3641,13 @@
   <p:clrMapOvr>
     <a:masterClrMapping/>
   </p:clrMapOvr>
-  <mc:AlternateContent xmlns:mc="http://schemas.openxmlformats.org/markup-compatibility/2006">
-    <mc:Choice xmlns:p14="http://schemas.microsoft.com/office/powerpoint/2010/main" Requires="p14">
+  <mc:AlternateContent xmlns:mc="http://schemas.openxmlformats.org/markup-compatibility/2006" xmlns:p14="http://schemas.microsoft.com/office/powerpoint/2010/main">
+    <mc:Choice Requires="p14">
       <p:transition spd="slow" p14:dur="1600">
         <p14:conveyor dir="l"/>
       </p:transition>
     </mc:Choice>
-    <mc:Fallback>
+    <mc:Fallback xmlns="">
       <p:transition spd="slow">
         <p:fade/>
       </p:transition>
@@ -3705,6 +3690,7 @@
           <a:p>
             <a:fld id="{AC2D831D-0604-41F7-A337-F1AC1257C2FF}" type="datetimeFigureOut">
               <a:rPr lang="zh-CN" altLang="en-US" smtClean="0"/>
+              <a:t>2018/11/1</a:t>
             </a:fld>
             <a:endParaRPr lang="zh-CN" altLang="en-US"/>
           </a:p>
@@ -3746,6 +3732,7 @@
           <a:p>
             <a:fld id="{4FE4AC72-BA51-437E-8D85-A7DD916C4313}" type="slidenum">
               <a:rPr lang="zh-CN" altLang="en-US" smtClean="0"/>
+              <a:t>‹#›</a:t>
             </a:fld>
             <a:endParaRPr lang="zh-CN" altLang="en-US"/>
           </a:p>
@@ -3756,13 +3743,13 @@
   <p:clrMapOvr>
     <a:masterClrMapping/>
   </p:clrMapOvr>
-  <mc:AlternateContent xmlns:mc="http://schemas.openxmlformats.org/markup-compatibility/2006">
-    <mc:Choice xmlns:p14="http://schemas.microsoft.com/office/powerpoint/2010/main" Requires="p14">
+  <mc:AlternateContent xmlns:mc="http://schemas.openxmlformats.org/markup-compatibility/2006" xmlns:p14="http://schemas.microsoft.com/office/powerpoint/2010/main">
+    <mc:Choice Requires="p14">
       <p:transition spd="slow" p14:dur="1600">
         <p14:conveyor dir="l"/>
       </p:transition>
     </mc:Choice>
-    <mc:Fallback>
+    <mc:Fallback xmlns="">
       <p:transition spd="slow">
         <p:fade/>
       </p:transition>
@@ -3813,10 +3800,9 @@
           </a:lstStyle>
           <a:p>
             <a:r>
-              <a:rPr lang="zh-CN" altLang="en-US" smtClean="0"/>
+              <a:rPr lang="zh-CN" altLang="en-US"/>
               <a:t>单击此处编辑母版标题样式</a:t>
             </a:r>
-            <a:endParaRPr lang="zh-CN" altLang="en-US"/>
           </a:p>
         </p:txBody>
       </p:sp>
@@ -3870,42 +3856,37 @@
           <a:p>
             <a:pPr lvl="0"/>
             <a:r>
-              <a:rPr lang="zh-CN" altLang="en-US" smtClean="0"/>
+              <a:rPr lang="zh-CN" altLang="en-US"/>
               <a:t>单击此处编辑母版文本样式</a:t>
             </a:r>
-            <a:endParaRPr lang="zh-CN" altLang="en-US" smtClean="0"/>
           </a:p>
           <a:p>
             <a:pPr lvl="1"/>
             <a:r>
-              <a:rPr lang="zh-CN" altLang="en-US" smtClean="0"/>
+              <a:rPr lang="zh-CN" altLang="en-US"/>
               <a:t>第二级</a:t>
             </a:r>
-            <a:endParaRPr lang="zh-CN" altLang="en-US" smtClean="0"/>
           </a:p>
           <a:p>
             <a:pPr lvl="2"/>
             <a:r>
-              <a:rPr lang="zh-CN" altLang="en-US" smtClean="0"/>
+              <a:rPr lang="zh-CN" altLang="en-US"/>
               <a:t>第三级</a:t>
             </a:r>
-            <a:endParaRPr lang="zh-CN" altLang="en-US" smtClean="0"/>
           </a:p>
           <a:p>
             <a:pPr lvl="3"/>
             <a:r>
-              <a:rPr lang="zh-CN" altLang="en-US" smtClean="0"/>
+              <a:rPr lang="zh-CN" altLang="en-US"/>
               <a:t>第四级</a:t>
             </a:r>
-            <a:endParaRPr lang="zh-CN" altLang="en-US" smtClean="0"/>
           </a:p>
           <a:p>
             <a:pPr lvl="4"/>
             <a:r>
-              <a:rPr lang="zh-CN" altLang="en-US" smtClean="0"/>
+              <a:rPr lang="zh-CN" altLang="en-US"/>
               <a:t>第五级</a:t>
             </a:r>
-            <a:endParaRPr lang="zh-CN" altLang="en-US"/>
           </a:p>
         </p:txBody>
       </p:sp>
@@ -3968,10 +3949,9 @@
           <a:p>
             <a:pPr lvl="0"/>
             <a:r>
-              <a:rPr lang="zh-CN" altLang="en-US" smtClean="0"/>
+              <a:rPr lang="zh-CN" altLang="en-US"/>
               <a:t>单击此处编辑母版文本样式</a:t>
             </a:r>
-            <a:endParaRPr lang="zh-CN" altLang="en-US" smtClean="0"/>
           </a:p>
         </p:txBody>
       </p:sp>
@@ -3992,6 +3972,7 @@
           <a:p>
             <a:fld id="{AC2D831D-0604-41F7-A337-F1AC1257C2FF}" type="datetimeFigureOut">
               <a:rPr lang="zh-CN" altLang="en-US" smtClean="0"/>
+              <a:t>2018/11/1</a:t>
             </a:fld>
             <a:endParaRPr lang="zh-CN" altLang="en-US"/>
           </a:p>
@@ -4033,6 +4014,7 @@
           <a:p>
             <a:fld id="{4FE4AC72-BA51-437E-8D85-A7DD916C4313}" type="slidenum">
               <a:rPr lang="zh-CN" altLang="en-US" smtClean="0"/>
+              <a:t>‹#›</a:t>
             </a:fld>
             <a:endParaRPr lang="zh-CN" altLang="en-US"/>
           </a:p>
@@ -4043,13 +4025,13 @@
   <p:clrMapOvr>
     <a:masterClrMapping/>
   </p:clrMapOvr>
-  <mc:AlternateContent xmlns:mc="http://schemas.openxmlformats.org/markup-compatibility/2006">
-    <mc:Choice xmlns:p14="http://schemas.microsoft.com/office/powerpoint/2010/main" Requires="p14">
+  <mc:AlternateContent xmlns:mc="http://schemas.openxmlformats.org/markup-compatibility/2006" xmlns:p14="http://schemas.microsoft.com/office/powerpoint/2010/main">
+    <mc:Choice Requires="p14">
       <p:transition spd="slow" p14:dur="1600">
         <p14:conveyor dir="l"/>
       </p:transition>
     </mc:Choice>
-    <mc:Fallback>
+    <mc:Fallback xmlns="">
       <p:transition spd="slow">
         <p:fade/>
       </p:transition>
@@ -4100,10 +4082,9 @@
           </a:lstStyle>
           <a:p>
             <a:r>
-              <a:rPr lang="zh-CN" altLang="en-US" smtClean="0"/>
+              <a:rPr lang="zh-CN" altLang="en-US"/>
               <a:t>单击此处编辑母版标题样式</a:t>
             </a:r>
-            <a:endParaRPr lang="zh-CN" altLang="en-US"/>
           </a:p>
         </p:txBody>
       </p:sp>
@@ -4227,10 +4208,9 @@
           <a:p>
             <a:pPr lvl="0"/>
             <a:r>
-              <a:rPr lang="zh-CN" altLang="en-US" smtClean="0"/>
+              <a:rPr lang="zh-CN" altLang="en-US"/>
               <a:t>单击此处编辑母版文本样式</a:t>
             </a:r>
-            <a:endParaRPr lang="zh-CN" altLang="en-US" smtClean="0"/>
           </a:p>
         </p:txBody>
       </p:sp>
@@ -4251,6 +4231,7 @@
           <a:p>
             <a:fld id="{AC2D831D-0604-41F7-A337-F1AC1257C2FF}" type="datetimeFigureOut">
               <a:rPr lang="zh-CN" altLang="en-US" smtClean="0"/>
+              <a:t>2018/11/1</a:t>
             </a:fld>
             <a:endParaRPr lang="zh-CN" altLang="en-US"/>
           </a:p>
@@ -4292,6 +4273,7 @@
           <a:p>
             <a:fld id="{4FE4AC72-BA51-437E-8D85-A7DD916C4313}" type="slidenum">
               <a:rPr lang="zh-CN" altLang="en-US" smtClean="0"/>
+              <a:t>‹#›</a:t>
             </a:fld>
             <a:endParaRPr lang="zh-CN" altLang="en-US"/>
           </a:p>
@@ -4302,13 +4284,13 @@
   <p:clrMapOvr>
     <a:masterClrMapping/>
   </p:clrMapOvr>
-  <mc:AlternateContent xmlns:mc="http://schemas.openxmlformats.org/markup-compatibility/2006">
-    <mc:Choice xmlns:p14="http://schemas.microsoft.com/office/powerpoint/2010/main" Requires="p14">
+  <mc:AlternateContent xmlns:mc="http://schemas.openxmlformats.org/markup-compatibility/2006" xmlns:p14="http://schemas.microsoft.com/office/powerpoint/2010/main">
+    <mc:Choice Requires="p14">
       <p:transition spd="slow" p14:dur="1600">
         <p14:conveyor dir="l"/>
       </p:transition>
     </mc:Choice>
-    <mc:Fallback>
+    <mc:Fallback xmlns="">
       <p:transition spd="slow">
         <p:fade/>
       </p:transition>
@@ -4389,10 +4371,9 @@
           <a:lstStyle/>
           <a:p>
             <a:r>
-              <a:rPr lang="zh-CN" altLang="en-US" smtClean="0"/>
+              <a:rPr lang="zh-CN" altLang="en-US"/>
               <a:t>单击此处编辑母版标题样式</a:t>
             </a:r>
-            <a:endParaRPr lang="zh-CN" altLang="en-US"/>
           </a:p>
         </p:txBody>
       </p:sp>
@@ -4423,42 +4404,37 @@
           <a:p>
             <a:pPr lvl="0"/>
             <a:r>
-              <a:rPr lang="zh-CN" altLang="en-US" smtClean="0"/>
+              <a:rPr lang="zh-CN" altLang="en-US"/>
               <a:t>单击此处编辑母版文本样式</a:t>
             </a:r>
-            <a:endParaRPr lang="zh-CN" altLang="en-US" smtClean="0"/>
           </a:p>
           <a:p>
             <a:pPr lvl="1"/>
             <a:r>
-              <a:rPr lang="zh-CN" altLang="en-US" smtClean="0"/>
+              <a:rPr lang="zh-CN" altLang="en-US"/>
               <a:t>第二级</a:t>
             </a:r>
-            <a:endParaRPr lang="zh-CN" altLang="en-US" smtClean="0"/>
           </a:p>
           <a:p>
             <a:pPr lvl="2"/>
             <a:r>
-              <a:rPr lang="zh-CN" altLang="en-US" smtClean="0"/>
+              <a:rPr lang="zh-CN" altLang="en-US"/>
               <a:t>第三级</a:t>
             </a:r>
-            <a:endParaRPr lang="zh-CN" altLang="en-US" smtClean="0"/>
           </a:p>
           <a:p>
             <a:pPr lvl="3"/>
             <a:r>
-              <a:rPr lang="zh-CN" altLang="en-US" smtClean="0"/>
+              <a:rPr lang="zh-CN" altLang="en-US"/>
               <a:t>第四级</a:t>
             </a:r>
-            <a:endParaRPr lang="zh-CN" altLang="en-US" smtClean="0"/>
           </a:p>
           <a:p>
             <a:pPr lvl="4"/>
             <a:r>
-              <a:rPr lang="zh-CN" altLang="en-US" smtClean="0"/>
+              <a:rPr lang="zh-CN" altLang="en-US"/>
               <a:t>第五级</a:t>
             </a:r>
-            <a:endParaRPr lang="zh-CN" altLang="en-US"/>
           </a:p>
         </p:txBody>
       </p:sp>
@@ -4497,6 +4473,7 @@
           <a:p>
             <a:fld id="{AC2D831D-0604-41F7-A337-F1AC1257C2FF}" type="datetimeFigureOut">
               <a:rPr lang="zh-CN" altLang="en-US" smtClean="0"/>
+              <a:t>2018/11/1</a:t>
             </a:fld>
             <a:endParaRPr lang="zh-CN" altLang="en-US"/>
           </a:p>
@@ -4574,6 +4551,7 @@
           <a:p>
             <a:fld id="{4FE4AC72-BA51-437E-8D85-A7DD916C4313}" type="slidenum">
               <a:rPr lang="zh-CN" altLang="en-US" smtClean="0"/>
+              <a:t>‹#›</a:t>
             </a:fld>
             <a:endParaRPr lang="zh-CN" altLang="en-US"/>
           </a:p>
@@ -4595,25 +4573,18 @@
     <p:sldLayoutId id="2147483658" r:id="rId10"/>
     <p:sldLayoutId id="2147483659" r:id="rId11"/>
   </p:sldLayoutIdLst>
-  <mc:AlternateContent xmlns:mc="http://schemas.openxmlformats.org/markup-compatibility/2006">
-    <mc:Choice xmlns:p14="http://schemas.microsoft.com/office/powerpoint/2010/main" Requires="p14">
+  <mc:AlternateContent xmlns:mc="http://schemas.openxmlformats.org/markup-compatibility/2006" xmlns:p14="http://schemas.microsoft.com/office/powerpoint/2010/main">
+    <mc:Choice Requires="p14">
       <p:transition spd="slow" p14:dur="1600">
         <p14:conveyor dir="l"/>
       </p:transition>
     </mc:Choice>
-    <mc:Fallback>
+    <mc:Fallback xmlns="">
       <p:transition spd="slow">
         <p:fade/>
       </p:transition>
     </mc:Fallback>
   </mc:AlternateContent>
-  <p:timing>
-    <p:tnLst>
-      <p:par>
-        <p:cTn id="1" dur="indefinite" restart="never" nodeType="tmRoot"/>
-      </p:par>
-    </p:tnLst>
-  </p:timing>
   <p:txStyles>
     <p:titleStyle>
       <a:lvl1pPr algn="l" defTabSz="914400" rtl="0" eaLnBrk="1" latinLnBrk="0" hangingPunct="1">
@@ -4938,7 +4909,7 @@
           <a:p>
             <a:pPr algn="ctr"/>
             <a:r>
-              <a:rPr lang="zh-CN" altLang="en-US" sz="4800" b="1" dirty="0" smtClean="0">
+              <a:rPr lang="zh-CN" altLang="en-US" sz="4800" b="1" dirty="0">
                 <a:solidFill>
                   <a:schemeClr val="tx2"/>
                 </a:solidFill>
@@ -4947,13 +4918,6 @@
               </a:rPr>
               <a:t>基于微信的共享单车系统的设计与实现</a:t>
             </a:r>
-            <a:endParaRPr lang="zh-CN" altLang="en-US" sz="4800" b="1" dirty="0">
-              <a:solidFill>
-                <a:schemeClr val="tx2"/>
-              </a:solidFill>
-              <a:latin typeface="微软雅黑" panose="020B0503020204020204" pitchFamily="34" charset="-122"/>
-              <a:ea typeface="微软雅黑" panose="020B0503020204020204" pitchFamily="34" charset="-122"/>
-            </a:endParaRPr>
           </a:p>
         </p:txBody>
       </p:sp>
@@ -5054,7 +5018,7 @@
           <a:p>
             <a:pPr algn="ctr"/>
             <a:r>
-              <a:rPr lang="zh-CN" altLang="en-US" dirty="0" smtClean="0">
+              <a:rPr lang="zh-CN" altLang="en-US" dirty="0">
                 <a:solidFill>
                   <a:schemeClr val="tx2"/>
                 </a:solidFill>
@@ -5063,13 +5027,6 @@
               </a:rPr>
               <a:t>主讲人：陈齐      指导老师：张大伟 </a:t>
             </a:r>
-            <a:endParaRPr lang="zh-CN" altLang="en-US" dirty="0">
-              <a:solidFill>
-                <a:schemeClr val="tx2"/>
-              </a:solidFill>
-              <a:latin typeface="微软雅黑" panose="020B0503020204020204" pitchFamily="34" charset="-122"/>
-              <a:ea typeface="微软雅黑" panose="020B0503020204020204" pitchFamily="34" charset="-122"/>
-            </a:endParaRPr>
           </a:p>
         </p:txBody>
       </p:sp>
@@ -5108,13 +5065,13 @@
   <p:clrMapOvr>
     <a:masterClrMapping/>
   </p:clrMapOvr>
-  <mc:AlternateContent xmlns:mc="http://schemas.openxmlformats.org/markup-compatibility/2006">
-    <mc:Choice xmlns:p14="http://schemas.microsoft.com/office/powerpoint/2010/main" Requires="p14">
+  <mc:AlternateContent xmlns:mc="http://schemas.openxmlformats.org/markup-compatibility/2006" xmlns:p14="http://schemas.microsoft.com/office/powerpoint/2010/main">
+    <mc:Choice Requires="p14">
       <p:transition spd="slow" p14:dur="4000">
         <p14:vortex dir="r"/>
       </p:transition>
     </mc:Choice>
-    <mc:Fallback>
+    <mc:Fallback xmlns="">
       <p:transition spd="slow">
         <p:fade/>
       </p:transition>
@@ -6218,11 +6175,6 @@
               </a:rPr>
               <a:t>研究的内容、拟解决的问题</a:t>
             </a:r>
-            <a:endParaRPr lang="zh-CN" altLang="en-US" dirty="0">
-              <a:solidFill>
-                <a:schemeClr val="bg1"/>
-              </a:solidFill>
-            </a:endParaRPr>
           </a:p>
         </p:txBody>
       </p:sp>
@@ -6380,7 +6332,7 @@
           <a:p>
             <a:pPr algn="ctr"/>
             <a:r>
-              <a:rPr lang="en-US" altLang="zh-CN" sz="16000" b="1" dirty="0" smtClean="0">
+              <a:rPr lang="en-US" altLang="zh-CN" sz="16000" b="1" dirty="0">
                 <a:solidFill>
                   <a:schemeClr val="accent2"/>
                 </a:solidFill>
@@ -6563,13 +6515,6 @@
               </a:rPr>
               <a:t>PART THTEE</a:t>
             </a:r>
-            <a:endParaRPr lang="en-US" altLang="zh-CN" sz="1800" dirty="0">
-              <a:solidFill>
-                <a:schemeClr val="accent2"/>
-              </a:solidFill>
-              <a:latin typeface="微软雅黑" panose="020B0503020204020204" pitchFamily="34" charset="-122"/>
-              <a:ea typeface="微软雅黑" panose="020B0503020204020204" pitchFamily="34" charset="-122"/>
-            </a:endParaRPr>
           </a:p>
         </p:txBody>
       </p:sp>
@@ -6578,13 +6523,13 @@
   <p:clrMapOvr>
     <a:masterClrMapping/>
   </p:clrMapOvr>
-  <mc:AlternateContent xmlns:mc="http://schemas.openxmlformats.org/markup-compatibility/2006">
-    <mc:Choice xmlns:p14="http://schemas.microsoft.com/office/powerpoint/2010/main" Requires="p14">
+  <mc:AlternateContent xmlns:mc="http://schemas.openxmlformats.org/markup-compatibility/2006" xmlns:p14="http://schemas.microsoft.com/office/powerpoint/2010/main">
+    <mc:Choice Requires="p14">
       <p:transition spd="slow" p14:dur="2500">
         <p:checker/>
       </p:transition>
     </mc:Choice>
-    <mc:Fallback>
+    <mc:Fallback xmlns="">
       <p:transition spd="slow">
         <p:checker/>
       </p:transition>
@@ -8327,15 +8272,6 @@
               </a:rPr>
               <a:t>研究内容</a:t>
             </a:r>
-            <a:endParaRPr lang="zh-CN" altLang="en-US" sz="2800" b="1" kern="100" dirty="0">
-              <a:solidFill>
-                <a:schemeClr val="accent1"/>
-              </a:solidFill>
-              <a:latin typeface="微软雅黑" panose="020B0503020204020204" pitchFamily="34" charset="-122"/>
-              <a:ea typeface="微软雅黑" panose="020B0503020204020204" pitchFamily="34" charset="-122"/>
-              <a:cs typeface="Times New Roman" panose="02020603050405020304" pitchFamily="18" charset="0"/>
-              <a:sym typeface="Impact" panose="020B0806030902050204" pitchFamily="34" charset="0"/>
-            </a:endParaRPr>
           </a:p>
         </p:txBody>
       </p:sp>
@@ -8488,7 +8424,7 @@
           <a:lstStyle/>
           <a:p>
             <a:r>
-              <a:rPr lang="en-US" altLang="zh-CN" sz="3600" dirty="0" smtClean="0">
+              <a:rPr lang="en-US" altLang="zh-CN" sz="3600" dirty="0">
                 <a:solidFill>
                   <a:schemeClr val="bg1"/>
                 </a:solidFill>
@@ -8529,30 +8465,12 @@
           <a:lstStyle/>
           <a:p>
             <a:r>
-              <a:rPr lang="zh-CN" altLang="en-US" dirty="0" smtClean="0">
-                <a:latin typeface="微软雅黑" panose="020B0503020204020204" pitchFamily="34" charset="-122"/>
-                <a:ea typeface="微软雅黑" panose="020B0503020204020204" pitchFamily="34" charset="-122"/>
-              </a:rPr>
-              <a:t>对共享单车系统</a:t>
-            </a:r>
-            <a:r>
               <a:rPr lang="zh-CN" altLang="en-US" dirty="0">
                 <a:latin typeface="微软雅黑" panose="020B0503020204020204" pitchFamily="34" charset="-122"/>
                 <a:ea typeface="微软雅黑" panose="020B0503020204020204" pitchFamily="34" charset="-122"/>
               </a:rPr>
-              <a:t>进行需求分析，对系统核心功能进行详细设计与实现。主要模块有</a:t>
+              <a:t>对共享单车系统进行需求分析，对系统核心功能进行详细设计与实现。主要模块有：单车申请模块、注册模块、充值和计费管理模块、单车管理模块。</a:t>
             </a:r>
-            <a:r>
-              <a:rPr lang="zh-CN" altLang="en-US" dirty="0" smtClean="0">
-                <a:latin typeface="微软雅黑" panose="020B0503020204020204" pitchFamily="34" charset="-122"/>
-                <a:ea typeface="微软雅黑" panose="020B0503020204020204" pitchFamily="34" charset="-122"/>
-              </a:rPr>
-              <a:t>：单车申请模块、注册模块、充值和计费管理模块、单车管理模块。</a:t>
-            </a:r>
-            <a:endParaRPr lang="zh-CN" altLang="en-US" dirty="0">
-              <a:latin typeface="微软雅黑" panose="020B0503020204020204" pitchFamily="34" charset="-122"/>
-              <a:ea typeface="微软雅黑" panose="020B0503020204020204" pitchFamily="34" charset="-122"/>
-            </a:endParaRPr>
           </a:p>
         </p:txBody>
       </p:sp>
@@ -8584,10 +8502,6 @@
               </a:rPr>
               <a:t>技术可行性分析，使用现有的技术是否能实现该系统。</a:t>
             </a:r>
-            <a:endParaRPr lang="zh-CN" altLang="en-US" dirty="0">
-              <a:latin typeface="微软雅黑" panose="020B0503020204020204" pitchFamily="34" charset="-122"/>
-              <a:ea typeface="微软雅黑" panose="020B0503020204020204" pitchFamily="34" charset="-122"/>
-            </a:endParaRPr>
           </a:p>
           <a:p>
             <a:endParaRPr lang="zh-CN" altLang="en-US" dirty="0">
@@ -8625,10 +8539,6 @@
               </a:rPr>
               <a:t>操作可行性分析，系统的操作是否简单方便，在实际使用过程中是否满足实际应用。</a:t>
             </a:r>
-            <a:endParaRPr lang="zh-CN" altLang="en-US" dirty="0">
-              <a:latin typeface="微软雅黑" panose="020B0503020204020204" pitchFamily="34" charset="-122"/>
-              <a:ea typeface="微软雅黑" panose="020B0503020204020204" pitchFamily="34" charset="-122"/>
-            </a:endParaRPr>
           </a:p>
         </p:txBody>
       </p:sp>
@@ -8660,10 +8570,6 @@
               </a:rPr>
               <a:t>安全性分析，是否保障用户的信息安全</a:t>
             </a:r>
-            <a:endParaRPr lang="zh-CN" altLang="en-US" dirty="0">
-              <a:latin typeface="微软雅黑" panose="020B0503020204020204" pitchFamily="34" charset="-122"/>
-              <a:ea typeface="微软雅黑" panose="020B0503020204020204" pitchFamily="34" charset="-122"/>
-            </a:endParaRPr>
           </a:p>
         </p:txBody>
       </p:sp>
@@ -8702,15 +8608,6 @@
               </a:rPr>
               <a:t>主要内容</a:t>
             </a:r>
-            <a:endParaRPr lang="zh-CN" altLang="en-US" sz="2800" b="1" kern="100" dirty="0">
-              <a:solidFill>
-                <a:schemeClr val="tx2"/>
-              </a:solidFill>
-              <a:latin typeface="微软雅黑" panose="020B0503020204020204" pitchFamily="34" charset="-122"/>
-              <a:ea typeface="微软雅黑" panose="020B0503020204020204" pitchFamily="34" charset="-122"/>
-              <a:cs typeface="Times New Roman" panose="02020603050405020304" pitchFamily="18" charset="0"/>
-              <a:sym typeface="Impact" panose="020B0806030902050204" pitchFamily="34" charset="0"/>
-            </a:endParaRPr>
           </a:p>
         </p:txBody>
       </p:sp>
@@ -11304,10 +11201,6 @@
               </a:rPr>
               <a:t>界面</a:t>
             </a:r>
-            <a:endParaRPr lang="zh-CN" altLang="en-US" sz="2000" dirty="0">
-              <a:latin typeface="微软雅黑" panose="020B0503020204020204" pitchFamily="34" charset="-122"/>
-              <a:ea typeface="微软雅黑" panose="020B0503020204020204" pitchFamily="34" charset="-122"/>
-            </a:endParaRPr>
           </a:p>
         </p:txBody>
       </p:sp>
@@ -11364,26 +11257,8 @@
                 <a:latin typeface="微软雅黑" panose="020B0503020204020204" pitchFamily="34" charset="-122"/>
                 <a:ea typeface="微软雅黑" panose="020B0503020204020204" pitchFamily="34" charset="-122"/>
               </a:rPr>
-              <a:t>如何保障</a:t>
+              <a:t>如何保障用户申请信息的真实性及用户信息的安全性</a:t>
             </a:r>
-            <a:r>
-              <a:rPr lang="zh-CN" altLang="en-US" sz="2000" dirty="0" smtClean="0">
-                <a:latin typeface="微软雅黑" panose="020B0503020204020204" pitchFamily="34" charset="-122"/>
-                <a:ea typeface="微软雅黑" panose="020B0503020204020204" pitchFamily="34" charset="-122"/>
-              </a:rPr>
-              <a:t>用户申请信息</a:t>
-            </a:r>
-            <a:r>
-              <a:rPr lang="zh-CN" altLang="en-US" sz="2000" dirty="0">
-                <a:latin typeface="微软雅黑" panose="020B0503020204020204" pitchFamily="34" charset="-122"/>
-                <a:ea typeface="微软雅黑" panose="020B0503020204020204" pitchFamily="34" charset="-122"/>
-              </a:rPr>
-              <a:t>的真实性及用户信息的安全性</a:t>
-            </a:r>
-            <a:endParaRPr lang="zh-CN" altLang="en-US" sz="2000" dirty="0">
-              <a:latin typeface="微软雅黑" panose="020B0503020204020204" pitchFamily="34" charset="-122"/>
-              <a:ea typeface="微软雅黑" panose="020B0503020204020204" pitchFamily="34" charset="-122"/>
-            </a:endParaRPr>
           </a:p>
         </p:txBody>
       </p:sp>
@@ -11892,7 +11767,7 @@
           <a:p>
             <a:pPr algn="ctr"/>
             <a:r>
-              <a:rPr lang="zh-CN" altLang="en-US" sz="2800" b="1" dirty="0" smtClean="0">
+              <a:rPr lang="zh-CN" altLang="en-US" sz="2800" b="1" dirty="0">
                 <a:solidFill>
                   <a:schemeClr val="bg1"/>
                 </a:solidFill>
@@ -11901,13 +11776,6 @@
               </a:rPr>
               <a:t>关键问题</a:t>
             </a:r>
-            <a:endParaRPr lang="zh-CN" altLang="en-US" sz="2800" b="1" dirty="0">
-              <a:solidFill>
-                <a:schemeClr val="bg1"/>
-              </a:solidFill>
-              <a:latin typeface="微软雅黑" panose="020B0503020204020204" pitchFamily="34" charset="-122"/>
-              <a:ea typeface="微软雅黑" panose="020B0503020204020204" pitchFamily="34" charset="-122"/>
-            </a:endParaRPr>
           </a:p>
         </p:txBody>
       </p:sp>
@@ -11946,15 +11814,6 @@
               </a:rPr>
               <a:t>拟解决的问题</a:t>
             </a:r>
-            <a:endParaRPr lang="zh-CN" altLang="en-US" sz="2800" b="1" kern="100" dirty="0">
-              <a:solidFill>
-                <a:schemeClr val="tx2"/>
-              </a:solidFill>
-              <a:latin typeface="微软雅黑" panose="020B0503020204020204" pitchFamily="34" charset="-122"/>
-              <a:ea typeface="微软雅黑" panose="020B0503020204020204" pitchFamily="34" charset="-122"/>
-              <a:cs typeface="Times New Roman" panose="02020603050405020304" pitchFamily="18" charset="0"/>
-              <a:sym typeface="Impact" panose="020B0806030902050204" pitchFamily="34" charset="0"/>
-            </a:endParaRPr>
           </a:p>
         </p:txBody>
       </p:sp>
@@ -12041,23 +11900,12 @@
           <a:lstStyle/>
           <a:p>
             <a:r>
-              <a:rPr lang="zh-CN" altLang="en-US" sz="2000" dirty="0" smtClean="0">
-                <a:latin typeface="微软雅黑" panose="020B0503020204020204" pitchFamily="34" charset="-122"/>
-                <a:ea typeface="微软雅黑" panose="020B0503020204020204" pitchFamily="34" charset="-122"/>
-              </a:rPr>
-              <a:t>统计单车使用情况的</a:t>
-            </a:r>
-            <a:r>
               <a:rPr lang="zh-CN" altLang="en-US" sz="2000" dirty="0">
                 <a:latin typeface="微软雅黑" panose="020B0503020204020204" pitchFamily="34" charset="-122"/>
                 <a:ea typeface="微软雅黑" panose="020B0503020204020204" pitchFamily="34" charset="-122"/>
               </a:rPr>
-              <a:t>信息</a:t>
+              <a:t>统计单车使用情况的信息</a:t>
             </a:r>
-            <a:endParaRPr lang="zh-CN" altLang="en-US" sz="2000" dirty="0">
-              <a:latin typeface="微软雅黑" panose="020B0503020204020204" pitchFamily="34" charset="-122"/>
-              <a:ea typeface="微软雅黑" panose="020B0503020204020204" pitchFamily="34" charset="-122"/>
-            </a:endParaRPr>
           </a:p>
         </p:txBody>
       </p:sp>
@@ -12088,26 +11936,22 @@
                 <a:latin typeface="微软雅黑" panose="020B0503020204020204" pitchFamily="34" charset="-122"/>
                 <a:ea typeface="微软雅黑" panose="020B0503020204020204" pitchFamily="34" charset="-122"/>
               </a:rPr>
-              <a:t>如何</a:t>
+              <a:t>如何防止任意</a:t>
             </a:r>
             <a:r>
-              <a:rPr lang="zh-CN" altLang="en-US" sz="2000" dirty="0" smtClean="0">
+              <a:rPr lang="zh-CN" altLang="en-US" sz="2000">
                 <a:latin typeface="微软雅黑" panose="020B0503020204020204" pitchFamily="34" charset="-122"/>
                 <a:ea typeface="微软雅黑" panose="020B0503020204020204" pitchFamily="34" charset="-122"/>
               </a:rPr>
-              <a:t>防止任意注册申请情况，单车申请处理</a:t>
+              <a:t>注册申请的情况</a:t>
             </a:r>
             <a:r>
               <a:rPr lang="zh-CN" altLang="en-US" sz="2000" dirty="0">
                 <a:latin typeface="微软雅黑" panose="020B0503020204020204" pitchFamily="34" charset="-122"/>
                 <a:ea typeface="微软雅黑" panose="020B0503020204020204" pitchFamily="34" charset="-122"/>
               </a:rPr>
-              <a:t>得当</a:t>
+              <a:t>，单车申请处理得当</a:t>
             </a:r>
-            <a:endParaRPr lang="zh-CN" altLang="en-US" sz="2000" dirty="0">
-              <a:latin typeface="微软雅黑" panose="020B0503020204020204" pitchFamily="34" charset="-122"/>
-              <a:ea typeface="微软雅黑" panose="020B0503020204020204" pitchFamily="34" charset="-122"/>
-            </a:endParaRPr>
           </a:p>
         </p:txBody>
       </p:sp>
@@ -12116,13 +11960,13 @@
   <p:clrMapOvr>
     <a:masterClrMapping/>
   </p:clrMapOvr>
-  <mc:AlternateContent xmlns:mc="http://schemas.openxmlformats.org/markup-compatibility/2006">
-    <mc:Choice xmlns:p14="http://schemas.microsoft.com/office/powerpoint/2010/main" Requires="p14">
+  <mc:AlternateContent xmlns:mc="http://schemas.openxmlformats.org/markup-compatibility/2006" xmlns:p14="http://schemas.microsoft.com/office/powerpoint/2010/main">
+    <mc:Choice Requires="p14">
       <p:transition spd="slow" p14:dur="1400">
         <p14:doors dir="vert"/>
       </p:transition>
     </mc:Choice>
-    <mc:Fallback>
+    <mc:Fallback xmlns="">
       <p:transition spd="slow">
         <p:fade/>
       </p:transition>
@@ -13920,11 +13764,6 @@
               </a:rPr>
               <a:t>研究方法、步骤</a:t>
             </a:r>
-            <a:endParaRPr lang="zh-CN" altLang="en-US" dirty="0">
-              <a:solidFill>
-                <a:schemeClr val="bg1"/>
-              </a:solidFill>
-            </a:endParaRPr>
           </a:p>
         </p:txBody>
       </p:sp>
@@ -14082,7 +13921,7 @@
           <a:p>
             <a:pPr algn="ctr"/>
             <a:r>
-              <a:rPr lang="en-US" altLang="zh-CN" sz="16000" b="1" dirty="0" smtClean="0">
+              <a:rPr lang="en-US" altLang="zh-CN" sz="16000" b="1" dirty="0">
                 <a:solidFill>
                   <a:schemeClr val="accent2"/>
                 </a:solidFill>
@@ -14264,13 +14103,6 @@
               </a:rPr>
               <a:t>PART FOUR</a:t>
             </a:r>
-            <a:endParaRPr lang="en-US" altLang="zh-CN" sz="1800" dirty="0">
-              <a:solidFill>
-                <a:schemeClr val="accent2"/>
-              </a:solidFill>
-              <a:latin typeface="微软雅黑" panose="020B0503020204020204" pitchFamily="34" charset="-122"/>
-              <a:ea typeface="微软雅黑" panose="020B0503020204020204" pitchFamily="34" charset="-122"/>
-            </a:endParaRPr>
           </a:p>
         </p:txBody>
       </p:sp>
@@ -14279,13 +14111,13 @@
   <p:clrMapOvr>
     <a:masterClrMapping/>
   </p:clrMapOvr>
-  <mc:AlternateContent xmlns:mc="http://schemas.openxmlformats.org/markup-compatibility/2006">
-    <mc:Choice xmlns:p14="http://schemas.microsoft.com/office/powerpoint/2010/main" Requires="p14">
+  <mc:AlternateContent xmlns:mc="http://schemas.openxmlformats.org/markup-compatibility/2006" xmlns:p14="http://schemas.microsoft.com/office/powerpoint/2010/main">
+    <mc:Choice Requires="p14">
       <p:transition spd="slow" p14:dur="1200">
         <p14:prism/>
       </p:transition>
     </mc:Choice>
-    <mc:Fallback>
+    <mc:Fallback xmlns="">
       <p:transition spd="slow">
         <p:fade/>
       </p:transition>
@@ -16808,20 +16640,6 @@
               </a:rPr>
               <a:t>收集相关资料进行需求分析及可行性评估</a:t>
             </a:r>
-            <a:endParaRPr lang="zh-CN" altLang="en-US" sz="2000" dirty="0">
-              <a:solidFill>
-                <a:schemeClr val="tx1"/>
-              </a:solidFill>
-              <a:effectLst>
-                <a:outerShdw blurRad="38100" dist="19050" dir="2700000" algn="tl" rotWithShape="0">
-                  <a:schemeClr val="dk1">
-                    <a:alpha val="40000"/>
-                  </a:schemeClr>
-                </a:outerShdw>
-              </a:effectLst>
-              <a:latin typeface="微软雅黑" panose="020B0503020204020204" pitchFamily="34" charset="-122"/>
-              <a:ea typeface="微软雅黑" panose="020B0503020204020204" pitchFamily="34" charset="-122"/>
-            </a:endParaRPr>
           </a:p>
         </p:txBody>
       </p:sp>
@@ -16856,13 +16674,6 @@
               </a:rPr>
               <a:t>对各个功能模块构思与创建</a:t>
             </a:r>
-            <a:endParaRPr lang="zh-CN" altLang="en-US" sz="2000" dirty="0">
-              <a:solidFill>
-                <a:schemeClr val="bg1"/>
-              </a:solidFill>
-              <a:latin typeface="微软雅黑" panose="020B0503020204020204" pitchFamily="34" charset="-122"/>
-              <a:ea typeface="微软雅黑" panose="020B0503020204020204" pitchFamily="34" charset="-122"/>
-            </a:endParaRPr>
           </a:p>
         </p:txBody>
       </p:sp>
@@ -16917,13 +16728,6 @@
               </a:rPr>
               <a:t>开发语言相关内容进行学习</a:t>
             </a:r>
-            <a:endParaRPr lang="zh-CN" altLang="en-US" sz="2000" dirty="0">
-              <a:solidFill>
-                <a:schemeClr val="bg1"/>
-              </a:solidFill>
-              <a:latin typeface="微软雅黑" panose="020B0503020204020204" pitchFamily="34" charset="-122"/>
-              <a:ea typeface="微软雅黑" panose="020B0503020204020204" pitchFamily="34" charset="-122"/>
-            </a:endParaRPr>
           </a:p>
         </p:txBody>
       </p:sp>
@@ -16962,15 +16766,6 @@
               </a:rPr>
               <a:t>研究方法步骤</a:t>
             </a:r>
-            <a:endParaRPr lang="zh-CN" altLang="en-US" sz="2800" b="1" kern="100" dirty="0">
-              <a:solidFill>
-                <a:schemeClr val="tx2"/>
-              </a:solidFill>
-              <a:latin typeface="微软雅黑" panose="020B0503020204020204" pitchFamily="34" charset="-122"/>
-              <a:ea typeface="微软雅黑" panose="020B0503020204020204" pitchFamily="34" charset="-122"/>
-              <a:cs typeface="Times New Roman" panose="02020603050405020304" pitchFamily="18" charset="0"/>
-              <a:sym typeface="Impact" panose="020B0806030902050204" pitchFamily="34" charset="0"/>
-            </a:endParaRPr>
           </a:p>
         </p:txBody>
       </p:sp>
@@ -18818,13 +18613,6 @@
               </a:rPr>
               <a:t>5</a:t>
             </a:r>
-            <a:endParaRPr lang="en-US" altLang="zh-CN" sz="16000" b="1" dirty="0">
-              <a:solidFill>
-                <a:schemeClr val="accent2"/>
-              </a:solidFill>
-              <a:latin typeface="AgencyFB" panose="02000806040000020003" pitchFamily="2" charset="0"/>
-              <a:ea typeface="微软雅黑" panose="020B0503020204020204" pitchFamily="34" charset="-122"/>
-            </a:endParaRPr>
           </a:p>
         </p:txBody>
       </p:sp>
@@ -18991,13 +18779,6 @@
               </a:rPr>
               <a:t>PART FIVE</a:t>
             </a:r>
-            <a:endParaRPr lang="en-US" altLang="zh-CN" sz="1800" dirty="0">
-              <a:solidFill>
-                <a:schemeClr val="accent2"/>
-              </a:solidFill>
-              <a:latin typeface="微软雅黑" panose="020B0503020204020204" pitchFamily="34" charset="-122"/>
-              <a:ea typeface="微软雅黑" panose="020B0503020204020204" pitchFamily="34" charset="-122"/>
-            </a:endParaRPr>
           </a:p>
         </p:txBody>
       </p:sp>
@@ -19006,13 +18787,13 @@
   <p:clrMapOvr>
     <a:masterClrMapping/>
   </p:clrMapOvr>
-  <mc:AlternateContent xmlns:mc="http://schemas.openxmlformats.org/markup-compatibility/2006">
-    <mc:Choice xmlns:p14="http://schemas.microsoft.com/office/powerpoint/2010/main" Requires="p14">
+  <mc:AlternateContent xmlns:mc="http://schemas.openxmlformats.org/markup-compatibility/2006" xmlns:p14="http://schemas.microsoft.com/office/powerpoint/2010/main">
+    <mc:Choice Requires="p14">
       <p:transition spd="slow" p14:dur="1400">
         <p14:ripple/>
       </p:transition>
     </mc:Choice>
-    <mc:Fallback>
+    <mc:Fallback xmlns="">
       <p:transition spd="slow">
         <p:fade/>
       </p:transition>
@@ -19914,8 +19695,8 @@
         </p:nvSpPr>
         <p:spPr>
           <a:xfrm>
-            <a:off x="2815590" y="1567180"/>
-            <a:ext cx="7256780" cy="2676525"/>
+            <a:off x="2775554" y="1584935"/>
+            <a:ext cx="7256780" cy="2308324"/>
           </a:xfrm>
           <a:prstGeom prst="rect">
             <a:avLst/>
@@ -19930,21 +19711,12 @@
           <a:p>
             <a:r>
               <a:rPr lang="zh-CN" altLang="en-US" sz="2400" dirty="0"/>
-              <a:t>语言：</a:t>
+              <a:t>主体语言：</a:t>
             </a:r>
             <a:r>
               <a:rPr lang="en-US" altLang="zh-CN" sz="2400" dirty="0"/>
               <a:t>Java</a:t>
             </a:r>
-            <a:r>
-              <a:rPr lang="zh-CN" altLang="en-US" sz="2400" dirty="0"/>
-              <a:t>、</a:t>
-            </a:r>
-            <a:r>
-              <a:rPr lang="en-US" altLang="zh-CN" sz="2400" dirty="0"/>
-              <a:t>UI</a:t>
-            </a:r>
-            <a:endParaRPr lang="en-US" altLang="zh-CN" sz="2400" dirty="0"/>
           </a:p>
           <a:p>
             <a:r>
@@ -19959,7 +19731,6 @@
               <a:rPr lang="en-US" altLang="zh-CN" sz="2400" dirty="0"/>
               <a:t>JDK 1.7</a:t>
             </a:r>
-            <a:endParaRPr lang="en-US" altLang="zh-CN" sz="2400" dirty="0"/>
           </a:p>
           <a:p>
             <a:r>
@@ -19970,7 +19741,6 @@
               <a:rPr lang="en-US" altLang="zh-CN" sz="2400" dirty="0"/>
               <a:t>myeclipse2016</a:t>
             </a:r>
-            <a:endParaRPr lang="en-US" altLang="zh-CN" sz="2400" dirty="0"/>
           </a:p>
           <a:p>
             <a:r>
@@ -19978,10 +19748,9 @@
               <a:t>数据库：</a:t>
             </a:r>
             <a:r>
-              <a:rPr lang="en-US" altLang="zh-CN" sz="2400" dirty="0" smtClean="0"/>
-              <a:t>MySQL6.0</a:t>
+              <a:rPr lang="en-US" altLang="zh-CN" sz="2400" dirty="0"/>
+              <a:t>MySQL</a:t>
             </a:r>
-            <a:endParaRPr lang="en-US" altLang="zh-CN" sz="2400" dirty="0"/>
           </a:p>
           <a:p>
             <a:r>
@@ -19992,26 +19761,6 @@
               <a:rPr lang="en-US" altLang="zh-CN" sz="2400" dirty="0"/>
               <a:t>Windows 10</a:t>
             </a:r>
-            <a:endParaRPr lang="en-US" altLang="zh-CN" sz="2400" dirty="0"/>
-          </a:p>
-          <a:p>
-            <a:r>
-              <a:rPr lang="zh-CN" altLang="en-US" sz="2400" dirty="0"/>
-              <a:t>服务器</a:t>
-            </a:r>
-            <a:r>
-              <a:rPr lang="zh-CN" altLang="en-US" sz="2400" dirty="0" smtClean="0"/>
-              <a:t>：</a:t>
-            </a:r>
-            <a:r>
-              <a:rPr lang="en-US" altLang="zh-CN" sz="2400" dirty="0" smtClean="0"/>
-              <a:t>BAE</a:t>
-            </a:r>
-            <a:r>
-              <a:rPr lang="zh-CN" altLang="en-US" sz="2400" dirty="0" smtClean="0"/>
-              <a:t>应用引擎</a:t>
-            </a:r>
-            <a:endParaRPr lang="en-US" altLang="zh-CN" sz="2400" dirty="0"/>
           </a:p>
           <a:p>
             <a:endParaRPr lang="en-US" altLang="zh-CN" sz="2400" dirty="0"/>
@@ -20437,7 +20186,7 @@
           <a:p>
             <a:pPr algn="ctr" fontAlgn="ctr"/>
             <a:r>
-              <a:rPr lang="en-US" altLang="zh-CN" sz="6600" b="1" spc="800" dirty="0" smtClean="0">
+              <a:rPr lang="en-US" altLang="zh-CN" sz="6600" b="1" spc="800" dirty="0">
                 <a:solidFill>
                   <a:schemeClr val="accent1"/>
                 </a:solidFill>
@@ -20546,7 +20295,7 @@
           <a:p>
             <a:pPr algn="ctr"/>
             <a:r>
-              <a:rPr lang="zh-CN" altLang="en-US" sz="3600" b="1" dirty="0" smtClean="0">
+              <a:rPr lang="zh-CN" altLang="en-US" sz="3600" b="1" dirty="0">
                 <a:solidFill>
                   <a:schemeClr val="accent2"/>
                 </a:solidFill>
@@ -20555,13 +20304,6 @@
               </a:rPr>
               <a:t>恳请老师批评指正！</a:t>
             </a:r>
-            <a:endParaRPr lang="zh-CN" altLang="en-US" sz="3600" b="1" dirty="0">
-              <a:solidFill>
-                <a:schemeClr val="accent2"/>
-              </a:solidFill>
-              <a:latin typeface="微软雅黑" panose="020B0503020204020204" pitchFamily="34" charset="-122"/>
-              <a:ea typeface="微软雅黑" panose="020B0503020204020204" pitchFamily="34" charset="-122"/>
-            </a:endParaRPr>
           </a:p>
         </p:txBody>
       </p:sp>
@@ -20570,13 +20312,13 @@
   <p:clrMapOvr>
     <a:masterClrMapping/>
   </p:clrMapOvr>
-  <mc:AlternateContent xmlns:mc="http://schemas.openxmlformats.org/markup-compatibility/2006">
-    <mc:Choice xmlns:p14="http://schemas.microsoft.com/office/powerpoint/2010/main" Requires="p14">
+  <mc:AlternateContent xmlns:mc="http://schemas.openxmlformats.org/markup-compatibility/2006" xmlns:p14="http://schemas.microsoft.com/office/powerpoint/2010/main">
+    <mc:Choice Requires="p14">
       <p:transition spd="slow" p14:dur="1200">
         <p14:prism/>
       </p:transition>
     </mc:Choice>
-    <mc:Fallback>
+    <mc:Fallback xmlns="">
       <p:transition spd="slow">
         <p:fade/>
       </p:transition>
@@ -21062,7 +20804,7 @@
               <a:defRPr/>
             </a:pPr>
             <a:r>
-              <a:rPr lang="en-US" altLang="zh-CN" sz="2400" b="1" kern="100" dirty="0" smtClean="0">
+              <a:rPr lang="en-US" altLang="zh-CN" sz="2400" b="1" kern="100" dirty="0">
                 <a:solidFill>
                   <a:schemeClr val="tx2"/>
                 </a:solidFill>
@@ -21073,7 +20815,7 @@
               <a:t>01 / </a:t>
             </a:r>
             <a:r>
-              <a:rPr lang="zh-CN" altLang="en-US" sz="2400" b="1" kern="100" dirty="0" smtClean="0">
+              <a:rPr lang="zh-CN" altLang="en-US" sz="2400" b="1" kern="100" dirty="0">
                 <a:solidFill>
                   <a:schemeClr val="tx2"/>
                 </a:solidFill>
@@ -21083,14 +20825,6 @@
               </a:rPr>
               <a:t>研究背景</a:t>
             </a:r>
-            <a:endParaRPr lang="zh-CN" altLang="en-US" sz="2400" b="1" kern="100" dirty="0" smtClean="0">
-              <a:solidFill>
-                <a:schemeClr val="tx2"/>
-              </a:solidFill>
-              <a:latin typeface="微软雅黑" panose="020B0503020204020204" pitchFamily="34" charset="-122"/>
-              <a:ea typeface="微软雅黑" panose="020B0503020204020204" pitchFamily="34" charset="-122"/>
-              <a:cs typeface="Times New Roman" panose="02020603050405020304" pitchFamily="18" charset="0"/>
-            </a:endParaRPr>
           </a:p>
         </p:txBody>
       </p:sp>
@@ -21119,7 +20853,7 @@
               <a:defRPr/>
             </a:pPr>
             <a:r>
-              <a:rPr lang="en-US" altLang="zh-CN" sz="2400" b="1" kern="100" dirty="0" smtClean="0">
+              <a:rPr lang="en-US" altLang="zh-CN" sz="2400" b="1" kern="100" dirty="0">
                 <a:solidFill>
                   <a:schemeClr val="tx2"/>
                 </a:solidFill>
@@ -21130,7 +20864,7 @@
               <a:t>02 / </a:t>
             </a:r>
             <a:r>
-              <a:rPr lang="zh-CN" altLang="en-US" sz="2400" b="1" kern="100" dirty="0" smtClean="0">
+              <a:rPr lang="zh-CN" altLang="en-US" sz="2400" b="1" kern="100" dirty="0">
                 <a:solidFill>
                   <a:schemeClr val="tx2"/>
                 </a:solidFill>
@@ -21138,16 +20872,8 @@
                 <a:ea typeface="微软雅黑" panose="020B0503020204020204" pitchFamily="34" charset="-122"/>
                 <a:cs typeface="Times New Roman" panose="02020603050405020304" pitchFamily="18" charset="0"/>
               </a:rPr>
-              <a:t>本课题国内外研究动态及意义</a:t>
+              <a:t>本课题国内研究动态及意义</a:t>
             </a:r>
-            <a:endParaRPr lang="zh-CN" altLang="en-US" sz="2400" b="1" kern="100" dirty="0" smtClean="0">
-              <a:solidFill>
-                <a:schemeClr val="tx2"/>
-              </a:solidFill>
-              <a:latin typeface="微软雅黑" panose="020B0503020204020204" pitchFamily="34" charset="-122"/>
-              <a:ea typeface="微软雅黑" panose="020B0503020204020204" pitchFamily="34" charset="-122"/>
-              <a:cs typeface="Times New Roman" panose="02020603050405020304" pitchFamily="18" charset="0"/>
-            </a:endParaRPr>
           </a:p>
         </p:txBody>
       </p:sp>
@@ -21176,7 +20902,7 @@
               <a:defRPr/>
             </a:pPr>
             <a:r>
-              <a:rPr lang="en-US" altLang="zh-CN" sz="2400" b="1" kern="100" dirty="0" smtClean="0">
+              <a:rPr lang="en-US" altLang="zh-CN" sz="2400" b="1" kern="100" dirty="0">
                 <a:solidFill>
                   <a:schemeClr val="tx2"/>
                 </a:solidFill>
@@ -21187,7 +20913,7 @@
               <a:t>03 / </a:t>
             </a:r>
             <a:r>
-              <a:rPr lang="zh-CN" altLang="en-US" sz="2400" b="1" kern="100" dirty="0" smtClean="0">
+              <a:rPr lang="zh-CN" altLang="en-US" sz="2400" b="1" kern="100" dirty="0">
                 <a:solidFill>
                   <a:schemeClr val="tx2"/>
                 </a:solidFill>
@@ -21197,14 +20923,6 @@
               </a:rPr>
               <a:t>设计思路</a:t>
             </a:r>
-            <a:endParaRPr lang="zh-CN" altLang="en-US" sz="2400" b="1" kern="100" dirty="0" smtClean="0">
-              <a:solidFill>
-                <a:schemeClr val="tx2"/>
-              </a:solidFill>
-              <a:latin typeface="微软雅黑" panose="020B0503020204020204" pitchFamily="34" charset="-122"/>
-              <a:ea typeface="微软雅黑" panose="020B0503020204020204" pitchFamily="34" charset="-122"/>
-              <a:cs typeface="Times New Roman" panose="02020603050405020304" pitchFamily="18" charset="0"/>
-            </a:endParaRPr>
           </a:p>
         </p:txBody>
       </p:sp>
@@ -21233,7 +20951,7 @@
               <a:defRPr/>
             </a:pPr>
             <a:r>
-              <a:rPr lang="en-US" altLang="zh-CN" sz="2400" b="1" kern="100" dirty="0" smtClean="0">
+              <a:rPr lang="en-US" altLang="zh-CN" sz="2400" b="1" kern="100" dirty="0">
                 <a:solidFill>
                   <a:schemeClr val="tx2"/>
                 </a:solidFill>
@@ -21244,7 +20962,7 @@
               <a:t>04 / </a:t>
             </a:r>
             <a:r>
-              <a:rPr lang="zh-CN" altLang="en-US" sz="2400" b="1" kern="100" dirty="0" smtClean="0">
+              <a:rPr lang="zh-CN" altLang="en-US" sz="2400" b="1" kern="100" dirty="0">
                 <a:solidFill>
                   <a:schemeClr val="tx2"/>
                 </a:solidFill>
@@ -21255,7 +20973,7 @@
               </a:rPr>
               <a:t>研究内容、拟解决的问题</a:t>
             </a:r>
-            <a:endParaRPr lang="zh-CN" altLang="en-US" sz="2400" b="1" kern="100" dirty="0" smtClean="0">
+            <a:endParaRPr lang="zh-CN" altLang="en-US" sz="2400" b="1" kern="100" dirty="0">
               <a:solidFill>
                 <a:schemeClr val="tx2"/>
               </a:solidFill>
@@ -21291,7 +21009,7 @@
               <a:defRPr/>
             </a:pPr>
             <a:r>
-              <a:rPr lang="en-US" altLang="zh-CN" sz="2400" b="1" kern="100" dirty="0" smtClean="0">
+              <a:rPr lang="en-US" altLang="zh-CN" sz="2400" b="1" kern="100" dirty="0">
                 <a:solidFill>
                   <a:schemeClr val="tx2"/>
                 </a:solidFill>
@@ -21302,7 +21020,7 @@
               <a:t>05 / </a:t>
             </a:r>
             <a:r>
-              <a:rPr lang="zh-CN" altLang="en-US" sz="2400" b="1" kern="100" dirty="0" smtClean="0">
+              <a:rPr lang="zh-CN" altLang="en-US" sz="2400" b="1" kern="100" dirty="0">
                 <a:solidFill>
                   <a:schemeClr val="tx2"/>
                 </a:solidFill>
@@ -21312,14 +21030,6 @@
               </a:rPr>
               <a:t>研究方法，步骤及技术</a:t>
             </a:r>
-            <a:endParaRPr lang="zh-CN" altLang="en-US" sz="2400" b="1" kern="100" dirty="0" smtClean="0">
-              <a:solidFill>
-                <a:schemeClr val="tx2"/>
-              </a:solidFill>
-              <a:latin typeface="微软雅黑" panose="020B0503020204020204" pitchFamily="34" charset="-122"/>
-              <a:ea typeface="微软雅黑" panose="020B0503020204020204" pitchFamily="34" charset="-122"/>
-              <a:cs typeface="Times New Roman" panose="02020603050405020304" pitchFamily="18" charset="0"/>
-            </a:endParaRPr>
           </a:p>
         </p:txBody>
       </p:sp>
@@ -21348,7 +21058,7 @@
               <a:defRPr/>
             </a:pPr>
             <a:r>
-              <a:rPr lang="en-US" altLang="zh-CN" sz="2400" b="1" kern="100" dirty="0" smtClean="0">
+              <a:rPr lang="en-US" altLang="zh-CN" sz="2400" b="1" kern="100" dirty="0">
                 <a:solidFill>
                   <a:schemeClr val="tx2"/>
                 </a:solidFill>
@@ -21359,7 +21069,7 @@
               <a:t>06 / </a:t>
             </a:r>
             <a:r>
-              <a:rPr lang="zh-CN" altLang="en-US" sz="2400" b="1" kern="100" dirty="0" smtClean="0">
+              <a:rPr lang="zh-CN" altLang="en-US" sz="2400" b="1" kern="100" dirty="0">
                 <a:solidFill>
                   <a:schemeClr val="tx2"/>
                 </a:solidFill>
@@ -21370,7 +21080,7 @@
               </a:rPr>
               <a:t>致谢</a:t>
             </a:r>
-            <a:endParaRPr lang="zh-CN" altLang="en-US" sz="2400" b="1" kern="100" dirty="0" smtClean="0">
+            <a:endParaRPr lang="zh-CN" altLang="en-US" sz="2400" b="1" kern="100" dirty="0">
               <a:solidFill>
                 <a:schemeClr val="tx2"/>
               </a:solidFill>
@@ -21383,7 +21093,7 @@
             <a:pPr>
               <a:defRPr/>
             </a:pPr>
-            <a:endParaRPr lang="zh-CN" altLang="en-US" sz="2400" b="1" kern="100" dirty="0" smtClean="0">
+            <a:endParaRPr lang="zh-CN" altLang="en-US" sz="2400" b="1" kern="100" dirty="0">
               <a:solidFill>
                 <a:schemeClr val="tx2"/>
               </a:solidFill>
@@ -21681,7 +21391,7 @@
               <a:defRPr/>
             </a:pPr>
             <a:r>
-              <a:rPr lang="zh-CN" altLang="en-US" sz="4400" b="1" kern="0" dirty="0" smtClean="0">
+              <a:rPr lang="zh-CN" altLang="en-US" sz="4400" b="1" kern="0" dirty="0">
                 <a:solidFill>
                   <a:schemeClr val="tx2"/>
                 </a:solidFill>
@@ -21690,7 +21400,7 @@
               </a:rPr>
               <a:t>目录</a:t>
             </a:r>
-            <a:endParaRPr lang="en-US" altLang="zh-CN" sz="4400" b="1" kern="0" dirty="0" smtClean="0">
+            <a:endParaRPr lang="en-US" altLang="zh-CN" sz="4400" b="1" kern="0" dirty="0">
               <a:solidFill>
                 <a:schemeClr val="tx2"/>
               </a:solidFill>
@@ -21837,7 +21547,7 @@
               <a:defRPr/>
             </a:pPr>
             <a:r>
-              <a:rPr lang="en-US" altLang="zh-CN" sz="3200" kern="0" dirty="0" smtClean="0">
+              <a:rPr lang="en-US" altLang="zh-CN" sz="3200" kern="0" dirty="0">
                 <a:solidFill>
                   <a:schemeClr val="accent2"/>
                 </a:solidFill>
@@ -21861,13 +21571,13 @@
   <p:clrMapOvr>
     <a:masterClrMapping/>
   </p:clrMapOvr>
-  <mc:AlternateContent xmlns:mc="http://schemas.openxmlformats.org/markup-compatibility/2006">
-    <mc:Choice xmlns:p14="http://schemas.microsoft.com/office/powerpoint/2010/main" Requires="p14">
+  <mc:AlternateContent xmlns:mc="http://schemas.openxmlformats.org/markup-compatibility/2006" xmlns:p14="http://schemas.microsoft.com/office/powerpoint/2010/main">
+    <mc:Choice Requires="p14">
       <p:transition spd="slow" p14:dur="1600">
         <p14:gallery dir="l"/>
       </p:transition>
     </mc:Choice>
-    <mc:Fallback>
+    <mc:Fallback xmlns="">
       <p:transition spd="slow">
         <p:fade/>
       </p:transition>
@@ -23196,11 +22906,6 @@
               </a:rPr>
               <a:t>研究背景</a:t>
             </a:r>
-            <a:endParaRPr lang="zh-CN" altLang="en-US" dirty="0">
-              <a:solidFill>
-                <a:schemeClr val="bg1"/>
-              </a:solidFill>
-            </a:endParaRPr>
           </a:p>
         </p:txBody>
       </p:sp>
@@ -23367,13 +23072,6 @@
               </a:rPr>
               <a:t>1</a:t>
             </a:r>
-            <a:endParaRPr lang="en-US" altLang="zh-CN" sz="16000" b="1" dirty="0">
-              <a:solidFill>
-                <a:schemeClr val="accent2"/>
-              </a:solidFill>
-              <a:latin typeface="AgencyFB" panose="02000806040000020003" pitchFamily="2" charset="0"/>
-              <a:ea typeface="微软雅黑" panose="020B0503020204020204" pitchFamily="34" charset="-122"/>
-            </a:endParaRPr>
           </a:p>
         </p:txBody>
       </p:sp>
@@ -23540,13 +23238,6 @@
               </a:rPr>
               <a:t>PART ONE</a:t>
             </a:r>
-            <a:endParaRPr lang="en-US" altLang="zh-CN" sz="1800" dirty="0">
-              <a:solidFill>
-                <a:schemeClr val="accent2"/>
-              </a:solidFill>
-              <a:latin typeface="微软雅黑" panose="020B0503020204020204" pitchFamily="34" charset="-122"/>
-              <a:ea typeface="微软雅黑" panose="020B0503020204020204" pitchFamily="34" charset="-122"/>
-            </a:endParaRPr>
           </a:p>
         </p:txBody>
       </p:sp>
@@ -23555,13 +23246,13 @@
   <p:clrMapOvr>
     <a:masterClrMapping/>
   </p:clrMapOvr>
-  <mc:AlternateContent xmlns:mc="http://schemas.openxmlformats.org/markup-compatibility/2006">
-    <mc:Choice xmlns:p14="http://schemas.microsoft.com/office/powerpoint/2010/main" Requires="p14">
+  <mc:AlternateContent xmlns:mc="http://schemas.openxmlformats.org/markup-compatibility/2006" xmlns:p14="http://schemas.microsoft.com/office/powerpoint/2010/main">
+    <mc:Choice Requires="p14">
       <p:transition spd="slow" p14:dur="1200">
         <p14:prism/>
       </p:transition>
     </mc:Choice>
-    <mc:Fallback>
+    <mc:Fallback xmlns="">
       <p:transition spd="slow">
         <p:fade/>
       </p:transition>
@@ -24463,7 +24154,7 @@
         <p:spPr>
           <a:xfrm>
             <a:off x="436245" y="1306195"/>
-            <a:ext cx="11512550" cy="2031325"/>
+            <a:ext cx="11512550" cy="4247317"/>
           </a:xfrm>
           <a:prstGeom prst="rect">
             <a:avLst/>
@@ -24480,54 +24171,54 @@
           </a:p>
           <a:p>
             <a:r>
-              <a:rPr lang="en-US" altLang="zh-CN" dirty="0" smtClean="0"/>
+              <a:rPr lang="en-US" altLang="zh-CN" dirty="0"/>
               <a:t>          </a:t>
             </a:r>
             <a:r>
-              <a:rPr lang="zh-CN" altLang="zh-CN" dirty="0" smtClean="0"/>
+              <a:rPr lang="zh-CN" altLang="zh-CN" sz="2800" dirty="0"/>
               <a:t>目前，有很大部分人群都需要一辆自行车代步出行，但这些自行车的使用率并不高，也占用了大面积公共空间。针对普遍存在的乱停乱放、自行车使用效率低下、单车频繁被盗等问题，共享单车应运而生。 本是共享单车管理系统，经过详细的市场调研，需求分析，和功能模块的设计，将共享单车以学校资产的方式进行管理，通过管理员操作软件确保每辆单车的收管和使用。在实现上，采用了 </a:t>
             </a:r>
             <a:r>
-              <a:rPr lang="en-US" altLang="zh-CN" dirty="0" smtClean="0"/>
+              <a:rPr lang="en-US" altLang="zh-CN" sz="2800" dirty="0"/>
               <a:t>Java</a:t>
             </a:r>
             <a:r>
-              <a:rPr lang="zh-CN" altLang="zh-CN" dirty="0" smtClean="0"/>
+              <a:rPr lang="zh-CN" altLang="zh-CN" sz="2800" dirty="0"/>
               <a:t>技术，数据库选用关系型数据库</a:t>
             </a:r>
             <a:r>
-              <a:rPr lang="en-US" altLang="zh-CN" dirty="0" smtClean="0"/>
+              <a:rPr lang="en-US" altLang="zh-CN" sz="2800" dirty="0"/>
               <a:t> </a:t>
             </a:r>
             <a:r>
-              <a:rPr lang="en-US" altLang="zh-CN" dirty="0" err="1" smtClean="0"/>
+              <a:rPr lang="en-US" altLang="zh-CN" sz="2800" dirty="0" err="1"/>
               <a:t>mysql</a:t>
             </a:r>
             <a:r>
-              <a:rPr lang="en-US" altLang="zh-CN" dirty="0" smtClean="0"/>
+              <a:rPr lang="en-US" altLang="zh-CN" sz="2800" dirty="0"/>
               <a:t>,</a:t>
             </a:r>
             <a:r>
-              <a:rPr lang="zh-CN" altLang="zh-CN" dirty="0" smtClean="0"/>
+              <a:rPr lang="zh-CN" altLang="zh-CN" sz="2800" dirty="0"/>
               <a:t>服务器使用虚拟服务器</a:t>
             </a:r>
             <a:r>
-              <a:rPr lang="en-US" altLang="zh-CN" dirty="0" smtClean="0"/>
+              <a:rPr lang="en-US" altLang="zh-CN" sz="2800" dirty="0"/>
               <a:t>tomcat</a:t>
             </a:r>
             <a:r>
-              <a:rPr lang="zh-CN" altLang="zh-CN" dirty="0" smtClean="0"/>
+              <a:rPr lang="zh-CN" altLang="zh-CN" sz="2800" dirty="0"/>
               <a:t>。编译软件使用</a:t>
             </a:r>
             <a:r>
-              <a:rPr lang="en-US" altLang="zh-CN" dirty="0" smtClean="0"/>
+              <a:rPr lang="en-US" altLang="zh-CN" sz="2800" dirty="0"/>
               <a:t> eclipse</a:t>
             </a:r>
             <a:r>
-              <a:rPr lang="zh-CN" altLang="zh-CN" dirty="0" smtClean="0"/>
+              <a:rPr lang="zh-CN" altLang="zh-CN" sz="2800" dirty="0"/>
               <a:t>。系统操作流程简单，页面干净简洁，用户使用起来可以很便捷的完成共享单车的预约和归还等各项功能。 </a:t>
             </a:r>
-            <a:endParaRPr lang="zh-CN" altLang="en-US" sz="2400" dirty="0"/>
+            <a:endParaRPr lang="zh-CN" altLang="en-US" sz="2800" dirty="0"/>
           </a:p>
         </p:txBody>
       </p:sp>
@@ -25362,13 +25053,8 @@
                   <a:schemeClr val="bg1"/>
                 </a:solidFill>
               </a:rPr>
-              <a:t>国内外研究动态及意义</a:t>
+              <a:t>国内研究动态及意义</a:t>
             </a:r>
-            <a:endParaRPr lang="zh-CN" altLang="en-US" dirty="0">
-              <a:solidFill>
-                <a:schemeClr val="bg1"/>
-              </a:solidFill>
-            </a:endParaRPr>
           </a:p>
         </p:txBody>
       </p:sp>
@@ -25526,7 +25212,7 @@
           <a:p>
             <a:pPr algn="ctr"/>
             <a:r>
-              <a:rPr lang="en-US" altLang="zh-CN" sz="16000" b="1" dirty="0" smtClean="0">
+              <a:rPr lang="en-US" altLang="zh-CN" sz="16000" b="1" dirty="0">
                 <a:solidFill>
                   <a:schemeClr val="accent2"/>
                 </a:solidFill>
@@ -25706,17 +25392,7 @@
                 <a:latin typeface="微软雅黑" panose="020B0503020204020204" pitchFamily="34" charset="-122"/>
                 <a:ea typeface="微软雅黑" panose="020B0503020204020204" pitchFamily="34" charset="-122"/>
               </a:rPr>
-              <a:t>PART </a:t>
-            </a:r>
-            <a:r>
-              <a:rPr lang="en-US" altLang="zh-CN" sz="1800" dirty="0" smtClean="0">
-                <a:solidFill>
-                  <a:schemeClr val="accent2"/>
-                </a:solidFill>
-                <a:latin typeface="微软雅黑" panose="020B0503020204020204" pitchFamily="34" charset="-122"/>
-                <a:ea typeface="微软雅黑" panose="020B0503020204020204" pitchFamily="34" charset="-122"/>
-              </a:rPr>
-              <a:t>TWO</a:t>
+              <a:t>PART TWO</a:t>
             </a:r>
             <a:endParaRPr lang="zh-CN" altLang="en-US" sz="1800" dirty="0">
               <a:solidFill>
@@ -25733,13 +25409,13 @@
   <p:clrMapOvr>
     <a:masterClrMapping/>
   </p:clrMapOvr>
-  <mc:AlternateContent xmlns:mc="http://schemas.openxmlformats.org/markup-compatibility/2006">
-    <mc:Choice xmlns:p14="http://schemas.microsoft.com/office/powerpoint/2010/main" Requires="p14">
+  <mc:AlternateContent xmlns:mc="http://schemas.openxmlformats.org/markup-compatibility/2006" xmlns:p14="http://schemas.microsoft.com/office/powerpoint/2010/main">
+    <mc:Choice Requires="p14">
       <p:transition spd="slow" p14:dur="1200">
         <p:dissolve/>
       </p:transition>
     </mc:Choice>
-    <mc:Fallback>
+    <mc:Fallback xmlns="">
       <p:transition spd="slow">
         <p:dissolve/>
       </p:transition>
@@ -26550,18 +26226,6 @@
           <a:lstStyle/>
           <a:p>
             <a:r>
-              <a:rPr lang="zh-CN" altLang="en-US" sz="2800" b="1" kern="100" dirty="0" smtClean="0">
-                <a:solidFill>
-                  <a:schemeClr val="tx2"/>
-                </a:solidFill>
-                <a:latin typeface="微软雅黑" panose="020B0503020204020204" pitchFamily="34" charset="-122"/>
-                <a:ea typeface="微软雅黑" panose="020B0503020204020204" pitchFamily="34" charset="-122"/>
-                <a:cs typeface="Times New Roman" panose="02020603050405020304" pitchFamily="18" charset="0"/>
-                <a:sym typeface="Impact" panose="020B0806030902050204" pitchFamily="34" charset="0"/>
-              </a:rPr>
-              <a:t>研究</a:t>
-            </a:r>
-            <a:r>
               <a:rPr lang="zh-CN" altLang="en-US" sz="2800" b="1" kern="100" dirty="0">
                 <a:solidFill>
                   <a:schemeClr val="tx2"/>
@@ -26571,17 +26235,8 @@
                 <a:cs typeface="Times New Roman" panose="02020603050405020304" pitchFamily="18" charset="0"/>
                 <a:sym typeface="Impact" panose="020B0806030902050204" pitchFamily="34" charset="0"/>
               </a:rPr>
-              <a:t>动态及意义</a:t>
+              <a:t>研究动态及意义</a:t>
             </a:r>
-            <a:endParaRPr lang="zh-CN" altLang="en-US" sz="2800" b="1" kern="100" dirty="0">
-              <a:solidFill>
-                <a:schemeClr val="tx2"/>
-              </a:solidFill>
-              <a:latin typeface="微软雅黑" panose="020B0503020204020204" pitchFamily="34" charset="-122"/>
-              <a:ea typeface="微软雅黑" panose="020B0503020204020204" pitchFamily="34" charset="-122"/>
-              <a:cs typeface="Times New Roman" panose="02020603050405020304" pitchFamily="18" charset="0"/>
-              <a:sym typeface="Impact" panose="020B0806030902050204" pitchFamily="34" charset="0"/>
-            </a:endParaRPr>
           </a:p>
         </p:txBody>
       </p:sp>
@@ -26670,111 +26325,110 @@
             <a:pPr indent="609600">
               <a:extLst>
                 <a:ext uri="{35155182-B16C-46BC-9424-99874614C6A1}">
-                  <wpsdc:indentchars xmlns:wpsdc="http://www.wps.cn/officeDocument/2017/drawingmlCustomData" val="200" checksum="4158780845"/>
+                  <wpsdc:indentchars xmlns:wpsdc="http://www.wps.cn/officeDocument/2017/drawingmlCustomData" xmlns="" val="200" checksum="4158780845"/>
                 </a:ext>
               </a:extLst>
             </a:pPr>
             <a:r>
-              <a:rPr lang="zh-CN" altLang="zh-CN" sz="2400" dirty="0" smtClean="0"/>
+              <a:rPr lang="zh-CN" altLang="zh-CN" sz="2400" dirty="0"/>
               <a:t> 近年来，随着计算机和网络通信技术的进步，互联网行业取得了飞速发展，其中又以移动互联网的发展最为迅猛。根据</a:t>
             </a:r>
             <a:r>
-              <a:rPr lang="en-US" altLang="zh-CN" sz="2400" dirty="0" smtClean="0"/>
+              <a:rPr lang="en-US" altLang="zh-CN" sz="2400" dirty="0"/>
               <a:t>CNNIC</a:t>
             </a:r>
             <a:r>
-              <a:rPr lang="zh-CN" altLang="zh-CN" sz="2400" dirty="0" smtClean="0"/>
+              <a:rPr lang="zh-CN" altLang="zh-CN" sz="2400" dirty="0"/>
               <a:t>发布的《第</a:t>
             </a:r>
             <a:r>
-              <a:rPr lang="en-US" altLang="zh-CN" sz="2400" dirty="0" smtClean="0"/>
+              <a:rPr lang="en-US" altLang="zh-CN" sz="2400" dirty="0"/>
               <a:t>46</a:t>
             </a:r>
             <a:r>
-              <a:rPr lang="zh-CN" altLang="zh-CN" sz="2400" dirty="0" smtClean="0"/>
+              <a:rPr lang="zh-CN" altLang="zh-CN" sz="2400" dirty="0"/>
               <a:t>次中国互联网络发展状况统计报告》显示，截至</a:t>
             </a:r>
             <a:r>
-              <a:rPr lang="en-US" altLang="zh-CN" sz="2400" dirty="0" smtClean="0"/>
+              <a:rPr lang="en-US" altLang="zh-CN" sz="2400" dirty="0"/>
               <a:t>2018</a:t>
             </a:r>
             <a:r>
-              <a:rPr lang="zh-CN" altLang="zh-CN" sz="2400" dirty="0" smtClean="0"/>
+              <a:rPr lang="zh-CN" altLang="zh-CN" sz="2400" dirty="0"/>
               <a:t>年</a:t>
             </a:r>
             <a:r>
-              <a:rPr lang="en-US" altLang="zh-CN" sz="2400" dirty="0" smtClean="0"/>
+              <a:rPr lang="en-US" altLang="zh-CN" sz="2400" dirty="0"/>
               <a:t>6</a:t>
             </a:r>
             <a:r>
-              <a:rPr lang="zh-CN" altLang="zh-CN" sz="2400" dirty="0" smtClean="0"/>
+              <a:rPr lang="zh-CN" altLang="zh-CN" sz="2400" dirty="0"/>
               <a:t>月，我国网民规模达</a:t>
             </a:r>
             <a:r>
-              <a:rPr lang="en-US" altLang="zh-CN" sz="2400" dirty="0" smtClean="0"/>
+              <a:rPr lang="en-US" altLang="zh-CN" sz="2400" dirty="0"/>
               <a:t>8.18</a:t>
             </a:r>
             <a:r>
-              <a:rPr lang="zh-CN" altLang="zh-CN" sz="2400" dirty="0" smtClean="0"/>
+              <a:rPr lang="zh-CN" altLang="zh-CN" sz="2400" dirty="0"/>
               <a:t>亿、其中手机网民达</a:t>
             </a:r>
             <a:r>
-              <a:rPr lang="en-US" altLang="zh-CN" sz="2400" dirty="0" smtClean="0"/>
+              <a:rPr lang="en-US" altLang="zh-CN" sz="2400" dirty="0"/>
               <a:t>7</a:t>
             </a:r>
             <a:r>
-              <a:rPr lang="zh-CN" altLang="zh-CN" sz="2400" dirty="0" smtClean="0"/>
+              <a:rPr lang="zh-CN" altLang="zh-CN" sz="2400" dirty="0"/>
               <a:t>亿。在整体网民中占比</a:t>
             </a:r>
             <a:r>
-              <a:rPr lang="en-US" altLang="zh-CN" sz="2400" dirty="0" smtClean="0"/>
+              <a:rPr lang="en-US" altLang="zh-CN" sz="2400" dirty="0"/>
               <a:t>74.5%</a:t>
             </a:r>
             <a:r>
-              <a:rPr lang="zh-CN" altLang="zh-CN" sz="2400" dirty="0" smtClean="0"/>
+              <a:rPr lang="zh-CN" altLang="zh-CN" sz="2400" dirty="0"/>
               <a:t>。在</a:t>
             </a:r>
             <a:r>
-              <a:rPr lang="en-US" altLang="zh-CN" sz="2400" dirty="0" smtClean="0"/>
+              <a:rPr lang="en-US" altLang="zh-CN" sz="2400" dirty="0"/>
               <a:t>2017</a:t>
             </a:r>
             <a:r>
-              <a:rPr lang="zh-CN" altLang="zh-CN" sz="2400" dirty="0" smtClean="0"/>
+              <a:rPr lang="zh-CN" altLang="zh-CN" sz="2400" dirty="0"/>
               <a:t>年一年时间里，我国手机网民增加了</a:t>
             </a:r>
             <a:r>
-              <a:rPr lang="en-US" altLang="zh-CN" sz="2400" dirty="0" smtClean="0"/>
+              <a:rPr lang="en-US" altLang="zh-CN" sz="2400" dirty="0"/>
               <a:t>8009</a:t>
             </a:r>
             <a:r>
-              <a:rPr lang="zh-CN" altLang="zh-CN" sz="2400" dirty="0" smtClean="0"/>
+              <a:rPr lang="zh-CN" altLang="zh-CN" sz="2400" dirty="0"/>
               <a:t>万人，在我国整体网民中的占比上升了</a:t>
             </a:r>
             <a:r>
-              <a:rPr lang="en-US" altLang="zh-CN" sz="2400" dirty="0" smtClean="0"/>
+              <a:rPr lang="en-US" altLang="zh-CN" sz="2400" dirty="0"/>
               <a:t>6.5</a:t>
             </a:r>
             <a:r>
-              <a:rPr lang="zh-CN" altLang="zh-CN" sz="2400" dirty="0" smtClean="0"/>
+              <a:rPr lang="zh-CN" altLang="zh-CN" sz="2400" dirty="0"/>
               <a:t>个百分点，达到了</a:t>
             </a:r>
             <a:r>
-              <a:rPr lang="en-US" altLang="zh-CN" sz="2400" dirty="0" smtClean="0"/>
+              <a:rPr lang="en-US" altLang="zh-CN" sz="2400" dirty="0"/>
               <a:t>81.0%</a:t>
             </a:r>
             <a:r>
-              <a:rPr lang="zh-CN" altLang="zh-CN" sz="2400" dirty="0" smtClean="0"/>
+              <a:rPr lang="zh-CN" altLang="zh-CN" sz="2400" dirty="0"/>
               <a:t>。中国网民中使用手机上网的比例越来越多，并持续保持快速的增长，这也反应出中国移动互联网发展的迅速。移动互联网的发展对社会产生了巨大的影响，其广泛地影响和改变了人们的生活。而微信成为移动互联网的最大入口之后，也改变着移动互联网的生态。微信也从一个简单的个人通讯工具发展成为一个强大的移动服务平台。在推出的微信公众平台提供给我们强大的</a:t>
             </a:r>
             <a:r>
-              <a:rPr lang="en-US" altLang="zh-CN" sz="2400" dirty="0" smtClean="0"/>
+              <a:rPr lang="en-US" altLang="zh-CN" sz="2400" dirty="0"/>
               <a:t>API</a:t>
             </a:r>
             <a:r>
-              <a:rPr lang="zh-CN" altLang="zh-CN" sz="2400" dirty="0" smtClean="0"/>
+              <a:rPr lang="zh-CN" altLang="zh-CN" sz="2400" dirty="0"/>
               <a:t>接口。</a:t>
             </a:r>
-            <a:endParaRPr lang="zh-CN" altLang="zh-CN" sz="2400" dirty="0" smtClean="0"/>
           </a:p>
         </p:txBody>
       </p:sp>
@@ -27209,15 +26863,6 @@
               </a:rPr>
               <a:t>研究意义</a:t>
             </a:r>
-            <a:endParaRPr lang="zh-CN" altLang="en-US" sz="2800" b="1" kern="100" dirty="0">
-              <a:solidFill>
-                <a:schemeClr val="tx2"/>
-              </a:solidFill>
-              <a:latin typeface="微软雅黑" panose="020B0503020204020204" pitchFamily="34" charset="-122"/>
-              <a:ea typeface="微软雅黑" panose="020B0503020204020204" pitchFamily="34" charset="-122"/>
-              <a:cs typeface="Times New Roman" panose="02020603050405020304" pitchFamily="18" charset="0"/>
-              <a:sym typeface="Impact" panose="020B0806030902050204" pitchFamily="34" charset="0"/>
-            </a:endParaRPr>
           </a:p>
         </p:txBody>
       </p:sp>
@@ -27876,16 +27521,12 @@
           <a:p>
             <a:pPr algn="just"/>
             <a:r>
-              <a:rPr lang="zh-CN" altLang="en-US" sz="1600" dirty="0" smtClean="0">
+              <a:rPr lang="zh-CN" altLang="en-US" sz="1600" dirty="0">
                 <a:latin typeface="微软雅黑" panose="020B0503020204020204" pitchFamily="34" charset="-122"/>
                 <a:ea typeface="微软雅黑" panose="020B0503020204020204" pitchFamily="34" charset="-122"/>
               </a:rPr>
               <a:t>为人们的出行提供一个低碳环保的平台</a:t>
             </a:r>
-            <a:endParaRPr lang="zh-CN" altLang="en-US" sz="1600" dirty="0">
-              <a:latin typeface="微软雅黑" panose="020B0503020204020204" pitchFamily="34" charset="-122"/>
-              <a:ea typeface="微软雅黑" panose="020B0503020204020204" pitchFamily="34" charset="-122"/>
-            </a:endParaRPr>
           </a:p>
         </p:txBody>
       </p:sp>
@@ -27912,23 +27553,12 @@
           <a:p>
             <a:pPr algn="just"/>
             <a:r>
-              <a:rPr lang="zh-CN" altLang="en-US" sz="1600" dirty="0" smtClean="0">
-                <a:latin typeface="微软雅黑" panose="020B0503020204020204" pitchFamily="34" charset="-122"/>
-                <a:ea typeface="微软雅黑" panose="020B0503020204020204" pitchFamily="34" charset="-122"/>
-              </a:rPr>
-              <a:t>使单车清晰</a:t>
-            </a:r>
-            <a:r>
               <a:rPr lang="zh-CN" altLang="en-US" sz="1600" dirty="0">
                 <a:latin typeface="微软雅黑" panose="020B0503020204020204" pitchFamily="34" charset="-122"/>
                 <a:ea typeface="微软雅黑" panose="020B0503020204020204" pitchFamily="34" charset="-122"/>
               </a:rPr>
-              <a:t>化、透明化、便于操作、易于管理。</a:t>
+              <a:t>使单车清晰化、透明化、便于操作、易于管理。</a:t>
             </a:r>
-            <a:endParaRPr lang="zh-CN" altLang="en-US" sz="1600" dirty="0">
-              <a:latin typeface="微软雅黑" panose="020B0503020204020204" pitchFamily="34" charset="-122"/>
-              <a:ea typeface="微软雅黑" panose="020B0503020204020204" pitchFamily="34" charset="-122"/>
-            </a:endParaRPr>
           </a:p>
         </p:txBody>
       </p:sp>
@@ -27941,7 +27571,7 @@
         <p:spPr>
           <a:xfrm>
             <a:off x="1744381" y="4477340"/>
-            <a:ext cx="2495024" cy="1569660"/>
+            <a:ext cx="2495024" cy="1384995"/>
           </a:xfrm>
           <a:prstGeom prst="rect">
             <a:avLst/>
@@ -27955,65 +27585,12 @@
           <a:p>
             <a:pPr algn="just"/>
             <a:r>
-              <a:rPr lang="zh-CN" altLang="en-US" sz="1600" dirty="0" smtClean="0">
+              <a:rPr lang="zh-CN" altLang="en-US" sz="1400" dirty="0">
                 <a:latin typeface="微软雅黑" panose="020B0503020204020204" pitchFamily="34" charset="-122"/>
                 <a:ea typeface="微软雅黑" panose="020B0503020204020204" pitchFamily="34" charset="-122"/>
               </a:rPr>
-              <a:t>单车共享平台</a:t>
+              <a:t>单车共享平台不仅方便个人的低碳出行，而且大大节约社会资源，缓解当前交通压力。同时还可以在在节约减排，改善环境方面产生正能量转播的作用。</a:t>
             </a:r>
-            <a:r>
-              <a:rPr lang="zh-CN" altLang="en-US" sz="1600" dirty="0">
-                <a:latin typeface="微软雅黑" panose="020B0503020204020204" pitchFamily="34" charset="-122"/>
-                <a:ea typeface="微软雅黑" panose="020B0503020204020204" pitchFamily="34" charset="-122"/>
-              </a:rPr>
-              <a:t>不仅</a:t>
-            </a:r>
-            <a:r>
-              <a:rPr lang="zh-CN" altLang="en-US" sz="1600" dirty="0" smtClean="0">
-                <a:latin typeface="微软雅黑" panose="020B0503020204020204" pitchFamily="34" charset="-122"/>
-                <a:ea typeface="微软雅黑" panose="020B0503020204020204" pitchFamily="34" charset="-122"/>
-              </a:rPr>
-              <a:t>方便个人的低碳出行，</a:t>
-            </a:r>
-            <a:r>
-              <a:rPr lang="zh-CN" altLang="en-US" sz="1600" dirty="0">
-                <a:latin typeface="微软雅黑" panose="020B0503020204020204" pitchFamily="34" charset="-122"/>
-                <a:ea typeface="微软雅黑" panose="020B0503020204020204" pitchFamily="34" charset="-122"/>
-              </a:rPr>
-              <a:t>而且大大</a:t>
-            </a:r>
-            <a:r>
-              <a:rPr lang="zh-CN" altLang="en-US" sz="1600" dirty="0" smtClean="0">
-                <a:latin typeface="微软雅黑" panose="020B0503020204020204" pitchFamily="34" charset="-122"/>
-                <a:ea typeface="微软雅黑" panose="020B0503020204020204" pitchFamily="34" charset="-122"/>
-              </a:rPr>
-              <a:t>节约社会资源，缓解当前交通压力。</a:t>
-            </a:r>
-            <a:r>
-              <a:rPr lang="zh-CN" altLang="en-US" sz="1600" dirty="0">
-                <a:latin typeface="微软雅黑" panose="020B0503020204020204" pitchFamily="34" charset="-122"/>
-                <a:ea typeface="微软雅黑" panose="020B0503020204020204" pitchFamily="34" charset="-122"/>
-              </a:rPr>
-              <a:t>同时还可以</a:t>
-            </a:r>
-            <a:r>
-              <a:rPr lang="zh-CN" altLang="en-US" sz="1600" dirty="0" smtClean="0">
-                <a:latin typeface="微软雅黑" panose="020B0503020204020204" pitchFamily="34" charset="-122"/>
-                <a:ea typeface="微软雅黑" panose="020B0503020204020204" pitchFamily="34" charset="-122"/>
-              </a:rPr>
-              <a:t>在在节约减排，改善环境方面产生正</a:t>
-            </a:r>
-            <a:r>
-              <a:rPr lang="zh-CN" altLang="en-US" sz="1600" dirty="0">
-                <a:latin typeface="微软雅黑" panose="020B0503020204020204" pitchFamily="34" charset="-122"/>
-                <a:ea typeface="微软雅黑" panose="020B0503020204020204" pitchFamily="34" charset="-122"/>
-              </a:rPr>
-              <a:t>能量转播的作用。</a:t>
-            </a:r>
-            <a:endParaRPr lang="zh-CN" altLang="en-US" sz="1600" dirty="0">
-              <a:latin typeface="微软雅黑" panose="020B0503020204020204" pitchFamily="34" charset="-122"/>
-              <a:ea typeface="微软雅黑" panose="020B0503020204020204" pitchFamily="34" charset="-122"/>
-            </a:endParaRPr>
           </a:p>
         </p:txBody>
       </p:sp>
@@ -28044,21 +27621,7 @@
                 <a:latin typeface="微软雅黑" panose="020B0503020204020204" pitchFamily="34" charset="-122"/>
                 <a:ea typeface="微软雅黑" panose="020B0503020204020204" pitchFamily="34" charset="-122"/>
               </a:rPr>
-              <a:t>基于移动终端，</a:t>
-            </a:r>
-            <a:r>
-              <a:rPr lang="zh-CN" altLang="en-US" sz="1600" dirty="0" smtClean="0">
-                <a:latin typeface="微软雅黑" panose="020B0503020204020204" pitchFamily="34" charset="-122"/>
-                <a:ea typeface="微软雅黑" panose="020B0503020204020204" pitchFamily="34" charset="-122"/>
-              </a:rPr>
-              <a:t>使单车申请及单车使用情况信息</a:t>
-            </a:r>
-            <a:r>
-              <a:rPr lang="zh-CN" altLang="en-US" sz="1600" dirty="0">
-                <a:latin typeface="微软雅黑" panose="020B0503020204020204" pitchFamily="34" charset="-122"/>
-                <a:ea typeface="微软雅黑" panose="020B0503020204020204" pitchFamily="34" charset="-122"/>
-              </a:rPr>
-              <a:t>，不只是局限于浏览器</a:t>
+              <a:t>基于移动终端，使单车申请及单车使用情况信息，不只是局限于浏览器</a:t>
             </a:r>
             <a:r>
               <a:rPr lang="zh-CN" altLang="en-US" sz="1400" dirty="0">
@@ -28067,10 +27630,6 @@
               </a:rPr>
               <a:t>。</a:t>
             </a:r>
-            <a:endParaRPr lang="zh-CN" altLang="en-US" sz="1400" dirty="0">
-              <a:latin typeface="微软雅黑" panose="020B0503020204020204" pitchFamily="34" charset="-122"/>
-              <a:ea typeface="微软雅黑" panose="020B0503020204020204" pitchFamily="34" charset="-122"/>
-            </a:endParaRPr>
           </a:p>
         </p:txBody>
       </p:sp>
@@ -28329,7 +27888,7 @@
           <a:p>
             <a:pPr algn="ctr"/>
             <a:r>
-              <a:rPr lang="zh-CN" altLang="en-US" sz="2800" b="1" dirty="0" smtClean="0">
+              <a:rPr lang="zh-CN" altLang="en-US" sz="2800" b="1" dirty="0">
                 <a:solidFill>
                   <a:schemeClr val="accent1"/>
                 </a:solidFill>
@@ -28338,13 +27897,6 @@
               </a:rPr>
               <a:t>研究意义</a:t>
             </a:r>
-            <a:endParaRPr lang="zh-CN" altLang="en-US" sz="2800" b="1" dirty="0">
-              <a:solidFill>
-                <a:schemeClr val="accent1"/>
-              </a:solidFill>
-              <a:latin typeface="微软雅黑" panose="020B0503020204020204" pitchFamily="34" charset="-122"/>
-              <a:ea typeface="微软雅黑" panose="020B0503020204020204" pitchFamily="34" charset="-122"/>
-            </a:endParaRPr>
           </a:p>
         </p:txBody>
       </p:sp>
@@ -30931,11 +30483,6 @@
               </a:rPr>
               <a:t>设计思路</a:t>
             </a:r>
-            <a:endParaRPr lang="zh-CN" altLang="en-US" dirty="0">
-              <a:solidFill>
-                <a:schemeClr val="bg1"/>
-              </a:solidFill>
-            </a:endParaRPr>
           </a:p>
         </p:txBody>
       </p:sp>
@@ -31093,7 +30640,7 @@
           <a:p>
             <a:pPr algn="ctr"/>
             <a:r>
-              <a:rPr lang="en-US" altLang="zh-CN" sz="16000" b="1" dirty="0" smtClean="0">
+              <a:rPr lang="en-US" altLang="zh-CN" sz="16000" b="1" dirty="0">
                 <a:solidFill>
                   <a:schemeClr val="accent2"/>
                 </a:solidFill>
@@ -31276,13 +30823,6 @@
               </a:rPr>
               <a:t>PART FOUR</a:t>
             </a:r>
-            <a:endParaRPr lang="en-US" altLang="zh-CN" sz="1800" dirty="0">
-              <a:solidFill>
-                <a:schemeClr val="accent2"/>
-              </a:solidFill>
-              <a:latin typeface="微软雅黑" panose="020B0503020204020204" pitchFamily="34" charset="-122"/>
-              <a:ea typeface="微软雅黑" panose="020B0503020204020204" pitchFamily="34" charset="-122"/>
-            </a:endParaRPr>
           </a:p>
         </p:txBody>
       </p:sp>
@@ -31291,13 +30831,13 @@
   <p:clrMapOvr>
     <a:masterClrMapping/>
   </p:clrMapOvr>
-  <mc:AlternateContent xmlns:mc="http://schemas.openxmlformats.org/markup-compatibility/2006">
-    <mc:Choice xmlns:p14="http://schemas.microsoft.com/office/powerpoint/2010/main" Requires="p14">
+  <mc:AlternateContent xmlns:mc="http://schemas.openxmlformats.org/markup-compatibility/2006" xmlns:p14="http://schemas.microsoft.com/office/powerpoint/2010/main">
+    <mc:Choice Requires="p14">
       <p:transition spd="slow" p14:dur="1200">
         <p14:prism/>
       </p:transition>
     </mc:Choice>
-    <mc:Fallback>
+    <mc:Fallback xmlns="">
       <p:transition spd="slow">
         <p:fade/>
       </p:transition>
@@ -32119,15 +31659,6 @@
               </a:rPr>
               <a:t>总体思路</a:t>
             </a:r>
-            <a:endParaRPr lang="zh-CN" altLang="en-US" sz="2800" b="1" kern="100" dirty="0">
-              <a:solidFill>
-                <a:schemeClr val="tx2"/>
-              </a:solidFill>
-              <a:latin typeface="微软雅黑" panose="020B0503020204020204" pitchFamily="34" charset="-122"/>
-              <a:ea typeface="微软雅黑" panose="020B0503020204020204" pitchFamily="34" charset="-122"/>
-              <a:cs typeface="Times New Roman" panose="02020603050405020304" pitchFamily="18" charset="0"/>
-              <a:sym typeface="Impact" panose="020B0806030902050204" pitchFamily="34" charset="0"/>
-            </a:endParaRPr>
           </a:p>
         </p:txBody>
       </p:sp>
@@ -32214,14 +31745,11 @@
           <a:lstStyle/>
           <a:p>
             <a:r>
-              <a:rPr lang="zh-CN" altLang="en-US" sz="2000" dirty="0" smtClean="0">
+              <a:rPr lang="zh-CN" altLang="en-US" sz="2000" dirty="0">
                 <a:sym typeface="+mn-ea"/>
               </a:rPr>
               <a:t>          客户可以通过在线注册完善用户信息，然后用户使用此程序进行使用共享单车的一系列操作，包括用户扫码开车，计费，充值，报修等功能。</a:t>
             </a:r>
-            <a:endParaRPr lang="zh-CN" altLang="en-US" sz="2000" dirty="0" smtClean="0">
-              <a:sym typeface="+mn-ea"/>
-            </a:endParaRPr>
           </a:p>
         </p:txBody>
       </p:sp>
@@ -32886,6 +32414,7 @@
       </a:lstStyle>
     </a:spDef>
   </a:objectDefaults>
+  <a:extraClrSchemeLst/>
   <a:extLst>
     <a:ext uri="{05A4C25C-085E-4340-85A3-A5531E510DB2}">
       <thm15:themeFamily xmlns:thm15="http://schemas.microsoft.com/office/thememl/2012/main" name="Office Theme" id="{62F939B6-93AF-4DB8-9C6B-D6C7DFDC589F}" vid="{4A3C46E8-61CC-4603-A589-7422A47A8E4A}"/>
@@ -33145,6 +32674,8 @@
       </a:bgFillStyleLst>
     </a:fmtScheme>
   </a:themeElements>
+  <a:objectDefaults/>
+  <a:extraClrSchemeLst/>
   <a:extLst>
     <a:ext uri="{05A4C25C-085E-4340-85A3-A5531E510DB2}">
       <thm15:themeFamily xmlns:thm15="http://schemas.microsoft.com/office/thememl/2012/main" name="Office Theme" id="{62F939B6-93AF-4DB8-9C6B-D6C7DFDC589F}" vid="{4A3C46E8-61CC-4603-A589-7422A47A8E4A}"/>
